--- a/Interfaces/Temas/U8.3 - Efectos jQuery.pptx
+++ b/Interfaces/Temas/U8.3 - Efectos jQuery.pptx
@@ -19,6 +19,11 @@
     <p:sldId id="264" r:id="rId13"/>
     <p:sldId id="265" r:id="rId14"/>
     <p:sldId id="266" r:id="rId15"/>
+    <p:sldId id="267" r:id="rId16"/>
+    <p:sldId id="268" r:id="rId17"/>
+    <p:sldId id="269" r:id="rId18"/>
+    <p:sldId id="270" r:id="rId19"/>
+    <p:sldId id="271" r:id="rId20"/>
   </p:sldIdLst>
   <p:sldSz cy="5143500" cx="9144000"/>
   <p:notesSz cx="6858000" cy="9144000"/>
@@ -53,7 +58,6 @@
         <a:ea typeface="Arial"/>
         <a:cs typeface="Arial"/>
         <a:sym typeface="Arial"/>
-        <a:rtl val="0"/>
       </a:defRPr>
     </a:lvl1pPr>
     <a:lvl2pPr lvl="1" marR="0" rtl="0" algn="l">
@@ -75,7 +79,6 @@
         <a:ea typeface="Arial"/>
         <a:cs typeface="Arial"/>
         <a:sym typeface="Arial"/>
-        <a:rtl val="0"/>
       </a:defRPr>
     </a:lvl2pPr>
     <a:lvl3pPr lvl="2" marR="0" rtl="0" algn="l">
@@ -97,7 +100,6 @@
         <a:ea typeface="Arial"/>
         <a:cs typeface="Arial"/>
         <a:sym typeface="Arial"/>
-        <a:rtl val="0"/>
       </a:defRPr>
     </a:lvl3pPr>
     <a:lvl4pPr lvl="3" marR="0" rtl="0" algn="l">
@@ -119,7 +121,6 @@
         <a:ea typeface="Arial"/>
         <a:cs typeface="Arial"/>
         <a:sym typeface="Arial"/>
-        <a:rtl val="0"/>
       </a:defRPr>
     </a:lvl4pPr>
     <a:lvl5pPr lvl="4" marR="0" rtl="0" algn="l">
@@ -141,7 +142,6 @@
         <a:ea typeface="Arial"/>
         <a:cs typeface="Arial"/>
         <a:sym typeface="Arial"/>
-        <a:rtl val="0"/>
       </a:defRPr>
     </a:lvl5pPr>
     <a:lvl6pPr lvl="5" marR="0" rtl="0" algn="l">
@@ -163,7 +163,6 @@
         <a:ea typeface="Arial"/>
         <a:cs typeface="Arial"/>
         <a:sym typeface="Arial"/>
-        <a:rtl val="0"/>
       </a:defRPr>
     </a:lvl6pPr>
     <a:lvl7pPr lvl="6" marR="0" rtl="0" algn="l">
@@ -185,7 +184,6 @@
         <a:ea typeface="Arial"/>
         <a:cs typeface="Arial"/>
         <a:sym typeface="Arial"/>
-        <a:rtl val="0"/>
       </a:defRPr>
     </a:lvl7pPr>
     <a:lvl8pPr lvl="7" marR="0" rtl="0" algn="l">
@@ -207,7 +205,6 @@
         <a:ea typeface="Arial"/>
         <a:cs typeface="Arial"/>
         <a:sym typeface="Arial"/>
-        <a:rtl val="0"/>
       </a:defRPr>
     </a:lvl8pPr>
     <a:lvl9pPr lvl="8" marR="0" rtl="0" algn="l">
@@ -229,7 +226,6 @@
         <a:ea typeface="Arial"/>
         <a:cs typeface="Arial"/>
         <a:sym typeface="Arial"/>
-        <a:rtl val="0"/>
       </a:defRPr>
     </a:lvl9pPr>
   </p:defaultTextStyle>
@@ -629,6 +625,481 @@
       <p:sp>
         <p:nvSpPr>
           <p:cNvPr id="161" name="Shape 161"/>
+          <p:cNvSpPr txBox="1"/>
+          <p:nvPr>
+            <p:ph idx="1" type="body"/>
+          </p:nvPr>
+        </p:nvSpPr>
+        <p:spPr>
+          <a:xfrm>
+            <a:off x="685800" y="4343400"/>
+            <a:ext cx="5486399" cy="4114800"/>
+          </a:xfrm>
+          <a:prstGeom prst="rect">
+            <a:avLst/>
+          </a:prstGeom>
+        </p:spPr>
+        <p:txBody>
+          <a:bodyPr anchorCtr="0" anchor="t" bIns="91425" lIns="91425" rIns="91425" tIns="91425">
+            <a:noAutofit/>
+          </a:bodyPr>
+          <a:lstStyle/>
+          <a:p>
+            <a:pPr lvl="0" rtl="0">
+              <a:spcBef>
+                <a:spcPts val="0"/>
+              </a:spcBef>
+              <a:buNone/>
+            </a:pPr>
+            <a:r>
+              <a:t/>
+            </a:r>
+            <a:endParaRPr/>
+          </a:p>
+        </p:txBody>
+      </p:sp>
+    </p:spTree>
+  </p:cSld>
+  <p:clrMapOvr>
+    <a:masterClrMapping/>
+  </p:clrMapOvr>
+</p:notes>
+</file>
+
+<file path=ppt/notesSlides/notesSlide11.xml><?xml version="1.0" encoding="utf-8"?>
+<p:notes xmlns:a="http://schemas.openxmlformats.org/drawingml/2006/main" xmlns:r="http://schemas.openxmlformats.org/officeDocument/2006/relationships" xmlns:mc="http://schemas.openxmlformats.org/markup-compatibility/2006" xmlns:mv="urn:schemas-microsoft-com:mac:vml" xmlns:p="http://schemas.openxmlformats.org/presentationml/2006/main" xmlns:c="http://schemas.openxmlformats.org/drawingml/2006/chart" xmlns:dgm="http://schemas.openxmlformats.org/drawingml/2006/diagram" xmlns:o="urn:schemas-microsoft-com:office:office" xmlns:v="urn:schemas-microsoft-com:vml" xmlns:pvml="urn:schemas-microsoft-com:office:powerpoint" xmlns:com="http://schemas.openxmlformats.org/drawingml/2006/compatibility" xmlns:p14="http://schemas.microsoft.com/office/powerpoint/2010/main" showMasterPhAnim="0" showMasterSp="0">
+  <p:cSld>
+    <p:spTree>
+      <p:nvGrpSpPr>
+        <p:cNvPr id="166" name="Shape 166"/>
+        <p:cNvGrpSpPr/>
+        <p:nvPr/>
+      </p:nvGrpSpPr>
+      <p:grpSpPr>
+        <a:xfrm>
+          <a:off x="0" y="0"/>
+          <a:ext cx="0" cy="0"/>
+          <a:chOff x="0" y="0"/>
+          <a:chExt cx="0" cy="0"/>
+        </a:xfrm>
+      </p:grpSpPr>
+      <p:sp>
+        <p:nvSpPr>
+          <p:cNvPr id="167" name="Shape 167"/>
+          <p:cNvSpPr/>
+          <p:nvPr>
+            <p:ph idx="2" type="sldImg"/>
+          </p:nvPr>
+        </p:nvSpPr>
+        <p:spPr>
+          <a:xfrm>
+            <a:off x="381187" y="685800"/>
+            <a:ext cx="6096299" cy="3429000"/>
+          </a:xfrm>
+          <a:custGeom>
+            <a:pathLst>
+              <a:path extrusionOk="0" h="120000" w="120000">
+                <a:moveTo>
+                  <a:pt x="0" y="0"/>
+                </a:moveTo>
+                <a:lnTo>
+                  <a:pt x="120000" y="0"/>
+                </a:lnTo>
+                <a:lnTo>
+                  <a:pt x="120000" y="120000"/>
+                </a:lnTo>
+                <a:lnTo>
+                  <a:pt x="0" y="120000"/>
+                </a:lnTo>
+                <a:close/>
+              </a:path>
+            </a:pathLst>
+          </a:custGeom>
+        </p:spPr>
+      </p:sp>
+      <p:sp>
+        <p:nvSpPr>
+          <p:cNvPr id="168" name="Shape 168"/>
+          <p:cNvSpPr txBox="1"/>
+          <p:nvPr>
+            <p:ph idx="1" type="body"/>
+          </p:nvPr>
+        </p:nvSpPr>
+        <p:spPr>
+          <a:xfrm>
+            <a:off x="685800" y="4343400"/>
+            <a:ext cx="5486399" cy="4114800"/>
+          </a:xfrm>
+          <a:prstGeom prst="rect">
+            <a:avLst/>
+          </a:prstGeom>
+        </p:spPr>
+        <p:txBody>
+          <a:bodyPr anchorCtr="0" anchor="t" bIns="91425" lIns="91425" rIns="91425" tIns="91425">
+            <a:noAutofit/>
+          </a:bodyPr>
+          <a:lstStyle/>
+          <a:p>
+            <a:pPr lvl="0" rtl="0">
+              <a:spcBef>
+                <a:spcPts val="0"/>
+              </a:spcBef>
+              <a:buNone/>
+            </a:pPr>
+            <a:r>
+              <a:t/>
+            </a:r>
+            <a:endParaRPr/>
+          </a:p>
+        </p:txBody>
+      </p:sp>
+    </p:spTree>
+  </p:cSld>
+  <p:clrMapOvr>
+    <a:masterClrMapping/>
+  </p:clrMapOvr>
+</p:notes>
+</file>
+
+<file path=ppt/notesSlides/notesSlide12.xml><?xml version="1.0" encoding="utf-8"?>
+<p:notes xmlns:a="http://schemas.openxmlformats.org/drawingml/2006/main" xmlns:r="http://schemas.openxmlformats.org/officeDocument/2006/relationships" xmlns:mc="http://schemas.openxmlformats.org/markup-compatibility/2006" xmlns:mv="urn:schemas-microsoft-com:mac:vml" xmlns:p="http://schemas.openxmlformats.org/presentationml/2006/main" xmlns:c="http://schemas.openxmlformats.org/drawingml/2006/chart" xmlns:dgm="http://schemas.openxmlformats.org/drawingml/2006/diagram" xmlns:o="urn:schemas-microsoft-com:office:office" xmlns:v="urn:schemas-microsoft-com:vml" xmlns:pvml="urn:schemas-microsoft-com:office:powerpoint" xmlns:com="http://schemas.openxmlformats.org/drawingml/2006/compatibility" xmlns:p14="http://schemas.microsoft.com/office/powerpoint/2010/main" showMasterPhAnim="0" showMasterSp="0">
+  <p:cSld>
+    <p:spTree>
+      <p:nvGrpSpPr>
+        <p:cNvPr id="172" name="Shape 172"/>
+        <p:cNvGrpSpPr/>
+        <p:nvPr/>
+      </p:nvGrpSpPr>
+      <p:grpSpPr>
+        <a:xfrm>
+          <a:off x="0" y="0"/>
+          <a:ext cx="0" cy="0"/>
+          <a:chOff x="0" y="0"/>
+          <a:chExt cx="0" cy="0"/>
+        </a:xfrm>
+      </p:grpSpPr>
+      <p:sp>
+        <p:nvSpPr>
+          <p:cNvPr id="173" name="Shape 173"/>
+          <p:cNvSpPr/>
+          <p:nvPr>
+            <p:ph idx="2" type="sldImg"/>
+          </p:nvPr>
+        </p:nvSpPr>
+        <p:spPr>
+          <a:xfrm>
+            <a:off x="381187" y="685800"/>
+            <a:ext cx="6096299" cy="3429000"/>
+          </a:xfrm>
+          <a:custGeom>
+            <a:pathLst>
+              <a:path extrusionOk="0" h="120000" w="120000">
+                <a:moveTo>
+                  <a:pt x="0" y="0"/>
+                </a:moveTo>
+                <a:lnTo>
+                  <a:pt x="120000" y="0"/>
+                </a:lnTo>
+                <a:lnTo>
+                  <a:pt x="120000" y="120000"/>
+                </a:lnTo>
+                <a:lnTo>
+                  <a:pt x="0" y="120000"/>
+                </a:lnTo>
+                <a:close/>
+              </a:path>
+            </a:pathLst>
+          </a:custGeom>
+        </p:spPr>
+      </p:sp>
+      <p:sp>
+        <p:nvSpPr>
+          <p:cNvPr id="174" name="Shape 174"/>
+          <p:cNvSpPr txBox="1"/>
+          <p:nvPr>
+            <p:ph idx="1" type="body"/>
+          </p:nvPr>
+        </p:nvSpPr>
+        <p:spPr>
+          <a:xfrm>
+            <a:off x="685800" y="4343400"/>
+            <a:ext cx="5486399" cy="4114800"/>
+          </a:xfrm>
+          <a:prstGeom prst="rect">
+            <a:avLst/>
+          </a:prstGeom>
+        </p:spPr>
+        <p:txBody>
+          <a:bodyPr anchorCtr="0" anchor="t" bIns="91425" lIns="91425" rIns="91425" tIns="91425">
+            <a:noAutofit/>
+          </a:bodyPr>
+          <a:lstStyle/>
+          <a:p>
+            <a:pPr lvl="0" rtl="0">
+              <a:spcBef>
+                <a:spcPts val="0"/>
+              </a:spcBef>
+              <a:buNone/>
+            </a:pPr>
+            <a:r>
+              <a:t/>
+            </a:r>
+            <a:endParaRPr/>
+          </a:p>
+        </p:txBody>
+      </p:sp>
+    </p:spTree>
+  </p:cSld>
+  <p:clrMapOvr>
+    <a:masterClrMapping/>
+  </p:clrMapOvr>
+</p:notes>
+</file>
+
+<file path=ppt/notesSlides/notesSlide13.xml><?xml version="1.0" encoding="utf-8"?>
+<p:notes xmlns:a="http://schemas.openxmlformats.org/drawingml/2006/main" xmlns:r="http://schemas.openxmlformats.org/officeDocument/2006/relationships" xmlns:mc="http://schemas.openxmlformats.org/markup-compatibility/2006" xmlns:mv="urn:schemas-microsoft-com:mac:vml" xmlns:p="http://schemas.openxmlformats.org/presentationml/2006/main" xmlns:c="http://schemas.openxmlformats.org/drawingml/2006/chart" xmlns:dgm="http://schemas.openxmlformats.org/drawingml/2006/diagram" xmlns:o="urn:schemas-microsoft-com:office:office" xmlns:v="urn:schemas-microsoft-com:vml" xmlns:pvml="urn:schemas-microsoft-com:office:powerpoint" xmlns:com="http://schemas.openxmlformats.org/drawingml/2006/compatibility" xmlns:p14="http://schemas.microsoft.com/office/powerpoint/2010/main" showMasterPhAnim="0" showMasterSp="0">
+  <p:cSld>
+    <p:spTree>
+      <p:nvGrpSpPr>
+        <p:cNvPr id="180" name="Shape 180"/>
+        <p:cNvGrpSpPr/>
+        <p:nvPr/>
+      </p:nvGrpSpPr>
+      <p:grpSpPr>
+        <a:xfrm>
+          <a:off x="0" y="0"/>
+          <a:ext cx="0" cy="0"/>
+          <a:chOff x="0" y="0"/>
+          <a:chExt cx="0" cy="0"/>
+        </a:xfrm>
+      </p:grpSpPr>
+      <p:sp>
+        <p:nvSpPr>
+          <p:cNvPr id="181" name="Shape 181"/>
+          <p:cNvSpPr/>
+          <p:nvPr>
+            <p:ph idx="2" type="sldImg"/>
+          </p:nvPr>
+        </p:nvSpPr>
+        <p:spPr>
+          <a:xfrm>
+            <a:off x="381187" y="685800"/>
+            <a:ext cx="6096299" cy="3429000"/>
+          </a:xfrm>
+          <a:custGeom>
+            <a:pathLst>
+              <a:path extrusionOk="0" h="120000" w="120000">
+                <a:moveTo>
+                  <a:pt x="0" y="0"/>
+                </a:moveTo>
+                <a:lnTo>
+                  <a:pt x="120000" y="0"/>
+                </a:lnTo>
+                <a:lnTo>
+                  <a:pt x="120000" y="120000"/>
+                </a:lnTo>
+                <a:lnTo>
+                  <a:pt x="0" y="120000"/>
+                </a:lnTo>
+                <a:close/>
+              </a:path>
+            </a:pathLst>
+          </a:custGeom>
+        </p:spPr>
+      </p:sp>
+      <p:sp>
+        <p:nvSpPr>
+          <p:cNvPr id="182" name="Shape 182"/>
+          <p:cNvSpPr txBox="1"/>
+          <p:nvPr>
+            <p:ph idx="1" type="body"/>
+          </p:nvPr>
+        </p:nvSpPr>
+        <p:spPr>
+          <a:xfrm>
+            <a:off x="685800" y="4343400"/>
+            <a:ext cx="5486399" cy="4114800"/>
+          </a:xfrm>
+          <a:prstGeom prst="rect">
+            <a:avLst/>
+          </a:prstGeom>
+        </p:spPr>
+        <p:txBody>
+          <a:bodyPr anchorCtr="0" anchor="t" bIns="91425" lIns="91425" rIns="91425" tIns="91425">
+            <a:noAutofit/>
+          </a:bodyPr>
+          <a:lstStyle/>
+          <a:p>
+            <a:pPr lvl="0" rtl="0">
+              <a:spcBef>
+                <a:spcPts val="0"/>
+              </a:spcBef>
+              <a:buNone/>
+            </a:pPr>
+            <a:r>
+              <a:t/>
+            </a:r>
+            <a:endParaRPr/>
+          </a:p>
+        </p:txBody>
+      </p:sp>
+    </p:spTree>
+  </p:cSld>
+  <p:clrMapOvr>
+    <a:masterClrMapping/>
+  </p:clrMapOvr>
+</p:notes>
+</file>
+
+<file path=ppt/notesSlides/notesSlide14.xml><?xml version="1.0" encoding="utf-8"?>
+<p:notes xmlns:a="http://schemas.openxmlformats.org/drawingml/2006/main" xmlns:r="http://schemas.openxmlformats.org/officeDocument/2006/relationships" xmlns:mc="http://schemas.openxmlformats.org/markup-compatibility/2006" xmlns:mv="urn:schemas-microsoft-com:mac:vml" xmlns:p="http://schemas.openxmlformats.org/presentationml/2006/main" xmlns:c="http://schemas.openxmlformats.org/drawingml/2006/chart" xmlns:dgm="http://schemas.openxmlformats.org/drawingml/2006/diagram" xmlns:o="urn:schemas-microsoft-com:office:office" xmlns:v="urn:schemas-microsoft-com:vml" xmlns:pvml="urn:schemas-microsoft-com:office:powerpoint" xmlns:com="http://schemas.openxmlformats.org/drawingml/2006/compatibility" xmlns:p14="http://schemas.microsoft.com/office/powerpoint/2010/main" showMasterPhAnim="0" showMasterSp="0">
+  <p:cSld>
+    <p:spTree>
+      <p:nvGrpSpPr>
+        <p:cNvPr id="186" name="Shape 186"/>
+        <p:cNvGrpSpPr/>
+        <p:nvPr/>
+      </p:nvGrpSpPr>
+      <p:grpSpPr>
+        <a:xfrm>
+          <a:off x="0" y="0"/>
+          <a:ext cx="0" cy="0"/>
+          <a:chOff x="0" y="0"/>
+          <a:chExt cx="0" cy="0"/>
+        </a:xfrm>
+      </p:grpSpPr>
+      <p:sp>
+        <p:nvSpPr>
+          <p:cNvPr id="187" name="Shape 187"/>
+          <p:cNvSpPr/>
+          <p:nvPr>
+            <p:ph idx="2" type="sldImg"/>
+          </p:nvPr>
+        </p:nvSpPr>
+        <p:spPr>
+          <a:xfrm>
+            <a:off x="381187" y="685800"/>
+            <a:ext cx="6096299" cy="3429000"/>
+          </a:xfrm>
+          <a:custGeom>
+            <a:pathLst>
+              <a:path extrusionOk="0" h="120000" w="120000">
+                <a:moveTo>
+                  <a:pt x="0" y="0"/>
+                </a:moveTo>
+                <a:lnTo>
+                  <a:pt x="120000" y="0"/>
+                </a:lnTo>
+                <a:lnTo>
+                  <a:pt x="120000" y="120000"/>
+                </a:lnTo>
+                <a:lnTo>
+                  <a:pt x="0" y="120000"/>
+                </a:lnTo>
+                <a:close/>
+              </a:path>
+            </a:pathLst>
+          </a:custGeom>
+        </p:spPr>
+      </p:sp>
+      <p:sp>
+        <p:nvSpPr>
+          <p:cNvPr id="188" name="Shape 188"/>
+          <p:cNvSpPr txBox="1"/>
+          <p:nvPr>
+            <p:ph idx="1" type="body"/>
+          </p:nvPr>
+        </p:nvSpPr>
+        <p:spPr>
+          <a:xfrm>
+            <a:off x="685800" y="4343400"/>
+            <a:ext cx="5486399" cy="4114800"/>
+          </a:xfrm>
+          <a:prstGeom prst="rect">
+            <a:avLst/>
+          </a:prstGeom>
+        </p:spPr>
+        <p:txBody>
+          <a:bodyPr anchorCtr="0" anchor="t" bIns="91425" lIns="91425" rIns="91425" tIns="91425">
+            <a:noAutofit/>
+          </a:bodyPr>
+          <a:lstStyle/>
+          <a:p>
+            <a:pPr lvl="0" rtl="0">
+              <a:spcBef>
+                <a:spcPts val="0"/>
+              </a:spcBef>
+              <a:buNone/>
+            </a:pPr>
+            <a:r>
+              <a:t/>
+            </a:r>
+            <a:endParaRPr/>
+          </a:p>
+        </p:txBody>
+      </p:sp>
+    </p:spTree>
+  </p:cSld>
+  <p:clrMapOvr>
+    <a:masterClrMapping/>
+  </p:clrMapOvr>
+</p:notes>
+</file>
+
+<file path=ppt/notesSlides/notesSlide15.xml><?xml version="1.0" encoding="utf-8"?>
+<p:notes xmlns:a="http://schemas.openxmlformats.org/drawingml/2006/main" xmlns:r="http://schemas.openxmlformats.org/officeDocument/2006/relationships" xmlns:mc="http://schemas.openxmlformats.org/markup-compatibility/2006" xmlns:mv="urn:schemas-microsoft-com:mac:vml" xmlns:p="http://schemas.openxmlformats.org/presentationml/2006/main" xmlns:c="http://schemas.openxmlformats.org/drawingml/2006/chart" xmlns:dgm="http://schemas.openxmlformats.org/drawingml/2006/diagram" xmlns:o="urn:schemas-microsoft-com:office:office" xmlns:v="urn:schemas-microsoft-com:vml" xmlns:pvml="urn:schemas-microsoft-com:office:powerpoint" xmlns:com="http://schemas.openxmlformats.org/drawingml/2006/compatibility" xmlns:p14="http://schemas.microsoft.com/office/powerpoint/2010/main" showMasterPhAnim="0" showMasterSp="0">
+  <p:cSld>
+    <p:spTree>
+      <p:nvGrpSpPr>
+        <p:cNvPr id="192" name="Shape 192"/>
+        <p:cNvGrpSpPr/>
+        <p:nvPr/>
+      </p:nvGrpSpPr>
+      <p:grpSpPr>
+        <a:xfrm>
+          <a:off x="0" y="0"/>
+          <a:ext cx="0" cy="0"/>
+          <a:chOff x="0" y="0"/>
+          <a:chExt cx="0" cy="0"/>
+        </a:xfrm>
+      </p:grpSpPr>
+      <p:sp>
+        <p:nvSpPr>
+          <p:cNvPr id="193" name="Shape 193"/>
+          <p:cNvSpPr/>
+          <p:nvPr>
+            <p:ph idx="2" type="sldImg"/>
+          </p:nvPr>
+        </p:nvSpPr>
+        <p:spPr>
+          <a:xfrm>
+            <a:off x="381187" y="685800"/>
+            <a:ext cx="6096299" cy="3429000"/>
+          </a:xfrm>
+          <a:custGeom>
+            <a:pathLst>
+              <a:path extrusionOk="0" h="120000" w="120000">
+                <a:moveTo>
+                  <a:pt x="0" y="0"/>
+                </a:moveTo>
+                <a:lnTo>
+                  <a:pt x="120000" y="0"/>
+                </a:lnTo>
+                <a:lnTo>
+                  <a:pt x="120000" y="120000"/>
+                </a:lnTo>
+                <a:lnTo>
+                  <a:pt x="0" y="120000"/>
+                </a:lnTo>
+                <a:close/>
+              </a:path>
+            </a:pathLst>
+          </a:custGeom>
+        </p:spPr>
+      </p:sp>
+      <p:sp>
+        <p:nvSpPr>
+          <p:cNvPr id="194" name="Shape 194"/>
           <p:cNvSpPr txBox="1"/>
           <p:nvPr>
             <p:ph idx="1" type="body"/>
@@ -7915,7 +8386,6 @@
           <a:ea typeface="Arial"/>
           <a:cs typeface="Arial"/>
           <a:sym typeface="Arial"/>
-          <a:rtl val="0"/>
         </a:defRPr>
       </a:lvl1pPr>
     </p:titleStyle>
@@ -7950,7 +8420,6 @@
           <a:ea typeface="Arial"/>
           <a:cs typeface="Arial"/>
           <a:sym typeface="Arial"/>
-          <a:rtl val="0"/>
         </a:defRPr>
       </a:lvl1pPr>
       <a:lvl2pPr lvl="1" marR="0" rtl="0" algn="l">
@@ -7972,7 +8441,6 @@
           <a:ea typeface="Arial"/>
           <a:cs typeface="Arial"/>
           <a:sym typeface="Arial"/>
-          <a:rtl val="0"/>
         </a:defRPr>
       </a:lvl2pPr>
       <a:lvl3pPr lvl="2" marR="0" rtl="0" algn="l">
@@ -7994,7 +8462,6 @@
           <a:ea typeface="Arial"/>
           <a:cs typeface="Arial"/>
           <a:sym typeface="Arial"/>
-          <a:rtl val="0"/>
         </a:defRPr>
       </a:lvl3pPr>
       <a:lvl4pPr lvl="3" marR="0" rtl="0" algn="l">
@@ -8016,7 +8483,6 @@
           <a:ea typeface="Arial"/>
           <a:cs typeface="Arial"/>
           <a:sym typeface="Arial"/>
-          <a:rtl val="0"/>
         </a:defRPr>
       </a:lvl4pPr>
       <a:lvl5pPr lvl="4" marR="0" rtl="0" algn="l">
@@ -8038,7 +8504,6 @@
           <a:ea typeface="Arial"/>
           <a:cs typeface="Arial"/>
           <a:sym typeface="Arial"/>
-          <a:rtl val="0"/>
         </a:defRPr>
       </a:lvl5pPr>
       <a:lvl6pPr lvl="5" marR="0" rtl="0" algn="l">
@@ -8060,7 +8525,6 @@
           <a:ea typeface="Arial"/>
           <a:cs typeface="Arial"/>
           <a:sym typeface="Arial"/>
-          <a:rtl val="0"/>
         </a:defRPr>
       </a:lvl6pPr>
       <a:lvl7pPr lvl="6" marR="0" rtl="0" algn="l">
@@ -8082,7 +8546,6 @@
           <a:ea typeface="Arial"/>
           <a:cs typeface="Arial"/>
           <a:sym typeface="Arial"/>
-          <a:rtl val="0"/>
         </a:defRPr>
       </a:lvl7pPr>
       <a:lvl8pPr lvl="7" marR="0" rtl="0" algn="l">
@@ -8104,7 +8567,6 @@
           <a:ea typeface="Arial"/>
           <a:cs typeface="Arial"/>
           <a:sym typeface="Arial"/>
-          <a:rtl val="0"/>
         </a:defRPr>
       </a:lvl8pPr>
       <a:lvl9pPr lvl="8" marR="0" rtl="0" algn="l">
@@ -8126,7 +8588,6 @@
           <a:ea typeface="Arial"/>
           <a:cs typeface="Arial"/>
           <a:sym typeface="Arial"/>
-          <a:rtl val="0"/>
         </a:defRPr>
       </a:lvl9pPr>
     </p:bodyStyle>
@@ -8161,7 +8622,6 @@
           <a:ea typeface="Arial"/>
           <a:cs typeface="Arial"/>
           <a:sym typeface="Arial"/>
-          <a:rtl val="0"/>
         </a:defRPr>
       </a:lvl1pPr>
       <a:lvl2pPr lvl="1" marR="0" rtl="0" algn="l">
@@ -8183,7 +8643,6 @@
           <a:ea typeface="Arial"/>
           <a:cs typeface="Arial"/>
           <a:sym typeface="Arial"/>
-          <a:rtl val="0"/>
         </a:defRPr>
       </a:lvl2pPr>
       <a:lvl3pPr lvl="2" marR="0" rtl="0" algn="l">
@@ -8205,7 +8664,6 @@
           <a:ea typeface="Arial"/>
           <a:cs typeface="Arial"/>
           <a:sym typeface="Arial"/>
-          <a:rtl val="0"/>
         </a:defRPr>
       </a:lvl3pPr>
       <a:lvl4pPr lvl="3" marR="0" rtl="0" algn="l">
@@ -8227,7 +8685,6 @@
           <a:ea typeface="Arial"/>
           <a:cs typeface="Arial"/>
           <a:sym typeface="Arial"/>
-          <a:rtl val="0"/>
         </a:defRPr>
       </a:lvl4pPr>
       <a:lvl5pPr lvl="4" marR="0" rtl="0" algn="l">
@@ -8249,7 +8706,6 @@
           <a:ea typeface="Arial"/>
           <a:cs typeface="Arial"/>
           <a:sym typeface="Arial"/>
-          <a:rtl val="0"/>
         </a:defRPr>
       </a:lvl5pPr>
       <a:lvl6pPr lvl="5" marR="0" rtl="0" algn="l">
@@ -8271,7 +8727,6 @@
           <a:ea typeface="Arial"/>
           <a:cs typeface="Arial"/>
           <a:sym typeface="Arial"/>
-          <a:rtl val="0"/>
         </a:defRPr>
       </a:lvl6pPr>
       <a:lvl7pPr lvl="6" marR="0" rtl="0" algn="l">
@@ -8293,7 +8748,6 @@
           <a:ea typeface="Arial"/>
           <a:cs typeface="Arial"/>
           <a:sym typeface="Arial"/>
-          <a:rtl val="0"/>
         </a:defRPr>
       </a:lvl7pPr>
       <a:lvl8pPr lvl="7" marR="0" rtl="0" algn="l">
@@ -8315,7 +8769,6 @@
           <a:ea typeface="Arial"/>
           <a:cs typeface="Arial"/>
           <a:sym typeface="Arial"/>
-          <a:rtl val="0"/>
         </a:defRPr>
       </a:lvl8pPr>
       <a:lvl9pPr lvl="8" marR="0" rtl="0" algn="l">
@@ -8337,7 +8790,6 @@
           <a:ea typeface="Arial"/>
           <a:cs typeface="Arial"/>
           <a:sym typeface="Arial"/>
-          <a:rtl val="0"/>
         </a:defRPr>
       </a:lvl9pPr>
     </p:otherStyle>
@@ -8777,6 +9229,921 @@
         </p:nvSpPr>
         <p:spPr>
           <a:xfrm>
+            <a:off x="949325" y="1257300"/>
+            <a:ext cx="7157999" cy="3086099"/>
+          </a:xfrm>
+          <a:prstGeom prst="rect">
+            <a:avLst/>
+          </a:prstGeom>
+        </p:spPr>
+        <p:txBody>
+          <a:bodyPr anchorCtr="0" anchor="t" bIns="91425" lIns="91425" rIns="91425" tIns="91425">
+            <a:noAutofit/>
+          </a:bodyPr>
+          <a:lstStyle/>
+          <a:p>
+            <a:pPr indent="-342900" lvl="0" marL="457200" rtl="0">
+              <a:lnSpc>
+                <a:spcPct val="133636"/>
+              </a:lnSpc>
+              <a:spcBef>
+                <a:spcPts val="0"/>
+              </a:spcBef>
+              <a:buClr>
+                <a:srgbClr val="313131"/>
+              </a:buClr>
+              <a:buSzPct val="100000"/>
+              <a:buFont typeface="Georgia"/>
+            </a:pPr>
+            <a:r>
+              <a:rPr lang="en" sz="1800">
+                <a:solidFill>
+                  <a:srgbClr val="313131"/>
+                </a:solidFill>
+                <a:highlight>
+                  <a:srgbClr val="FFFFFF"/>
+                </a:highlight>
+                <a:latin typeface="Georgia"/>
+                <a:ea typeface="Georgia"/>
+                <a:cs typeface="Georgia"/>
+                <a:sym typeface="Georgia"/>
+              </a:rPr>
+              <a:t>Cuando invocamos varias funciones de efectos de las disponibles en jQuery, éstas se van introduciendo en una cola de efectos predeterminada, llamada "fx".</a:t>
+            </a:r>
+          </a:p>
+          <a:p>
+            <a:pPr indent="-342900" lvl="0" marL="457200" rtl="0">
+              <a:lnSpc>
+                <a:spcPct val="133636"/>
+              </a:lnSpc>
+              <a:spcBef>
+                <a:spcPts val="0"/>
+              </a:spcBef>
+              <a:buClr>
+                <a:srgbClr val="313131"/>
+              </a:buClr>
+              <a:buSzPct val="100000"/>
+              <a:buFont typeface="Georgia"/>
+            </a:pPr>
+            <a:r>
+              <a:rPr lang="en" sz="1800">
+                <a:solidFill>
+                  <a:srgbClr val="313131"/>
+                </a:solidFill>
+                <a:highlight>
+                  <a:srgbClr val="FFFFFF"/>
+                </a:highlight>
+                <a:latin typeface="Georgia"/>
+                <a:ea typeface="Georgia"/>
+                <a:cs typeface="Georgia"/>
+                <a:sym typeface="Georgia"/>
+              </a:rPr>
+              <a:t>Cada elemento de la página tiene su propia cola de efectos predeterminada y funciona de manera automática.</a:t>
+            </a:r>
+          </a:p>
+          <a:p>
+            <a:pPr lvl="0" rtl="0">
+              <a:spcBef>
+                <a:spcPts val="0"/>
+              </a:spcBef>
+              <a:buNone/>
+            </a:pPr>
+            <a:r>
+              <a:t/>
+            </a:r>
+            <a:endParaRPr sz="1800">
+              <a:solidFill>
+                <a:srgbClr val="444444"/>
+              </a:solidFill>
+              <a:highlight>
+                <a:srgbClr val="FEFEFE"/>
+              </a:highlight>
+              <a:latin typeface="Georgia"/>
+              <a:ea typeface="Georgia"/>
+              <a:cs typeface="Georgia"/>
+              <a:sym typeface="Georgia"/>
+            </a:endParaRPr>
+          </a:p>
+        </p:txBody>
+      </p:sp>
+      <p:pic>
+        <p:nvPicPr>
+          <p:cNvPr id="165" name="Shape 165"/>
+          <p:cNvPicPr preferRelativeResize="0"/>
+          <p:nvPr/>
+        </p:nvPicPr>
+        <p:blipFill rotWithShape="1">
+          <a:blip r:embed="rId3">
+            <a:alphaModFix/>
+          </a:blip>
+          <a:srcRect b="39876" l="20389" r="63762" t="44377"/>
+          <a:stretch/>
+        </p:blipFill>
+        <p:spPr>
+          <a:xfrm>
+            <a:off x="2657875" y="3235875"/>
+            <a:ext cx="2496150" cy="1549976"/>
+          </a:xfrm>
+          <a:prstGeom prst="rect">
+            <a:avLst/>
+          </a:prstGeom>
+          <a:noFill/>
+          <a:ln>
+            <a:noFill/>
+          </a:ln>
+        </p:spPr>
+      </p:pic>
+    </p:spTree>
+  </p:cSld>
+  <p:clrMapOvr>
+    <a:masterClrMapping/>
+  </p:clrMapOvr>
+  <p:transition spd="slow">
+    <p:cut/>
+  </p:transition>
+</p:sld>
+</file>
+
+<file path=ppt/slides/slide11.xml><?xml version="1.0" encoding="utf-8"?>
+<p:sld xmlns:a="http://schemas.openxmlformats.org/drawingml/2006/main" xmlns:r="http://schemas.openxmlformats.org/officeDocument/2006/relationships" xmlns:mc="http://schemas.openxmlformats.org/markup-compatibility/2006" xmlns:mv="urn:schemas-microsoft-com:mac:vml" xmlns:p="http://schemas.openxmlformats.org/presentationml/2006/main" xmlns:c="http://schemas.openxmlformats.org/drawingml/2006/chart" xmlns:dgm="http://schemas.openxmlformats.org/drawingml/2006/diagram" xmlns:o="urn:schemas-microsoft-com:office:office" xmlns:v="urn:schemas-microsoft-com:vml" xmlns:pvml="urn:schemas-microsoft-com:office:powerpoint" xmlns:com="http://schemas.openxmlformats.org/drawingml/2006/compatibility" xmlns:p14="http://schemas.microsoft.com/office/powerpoint/2010/main">
+  <p:cSld>
+    <p:spTree>
+      <p:nvGrpSpPr>
+        <p:cNvPr id="169" name="Shape 169"/>
+        <p:cNvGrpSpPr/>
+        <p:nvPr/>
+      </p:nvGrpSpPr>
+      <p:grpSpPr>
+        <a:xfrm>
+          <a:off x="0" y="0"/>
+          <a:ext cx="0" cy="0"/>
+          <a:chOff x="0" y="0"/>
+          <a:chExt cx="0" cy="0"/>
+        </a:xfrm>
+      </p:grpSpPr>
+      <p:sp>
+        <p:nvSpPr>
+          <p:cNvPr id="170" name="Shape 170"/>
+          <p:cNvSpPr txBox="1"/>
+          <p:nvPr>
+            <p:ph type="title"/>
+          </p:nvPr>
+        </p:nvSpPr>
+        <p:spPr>
+          <a:xfrm>
+            <a:off x="931862" y="72628"/>
+            <a:ext cx="7157999" cy="1059599"/>
+          </a:xfrm>
+          <a:prstGeom prst="rect">
+            <a:avLst/>
+          </a:prstGeom>
+        </p:spPr>
+        <p:txBody>
+          <a:bodyPr anchorCtr="0" anchor="b" bIns="91425" lIns="91425" rIns="91425" tIns="91425">
+            <a:noAutofit/>
+          </a:bodyPr>
+          <a:lstStyle/>
+          <a:p>
+            <a:pPr lvl="0" rtl="0">
+              <a:spcBef>
+                <a:spcPts val="1800"/>
+              </a:spcBef>
+              <a:spcAft>
+                <a:spcPts val="400"/>
+              </a:spcAft>
+              <a:buNone/>
+            </a:pPr>
+            <a:r>
+              <a:rPr lang="en" sz="3400">
+                <a:solidFill>
+                  <a:srgbClr val="111111"/>
+                </a:solidFill>
+                <a:highlight>
+                  <a:srgbClr val="FEFEFE"/>
+                </a:highlight>
+                <a:latin typeface="Georgia"/>
+                <a:ea typeface="Georgia"/>
+                <a:cs typeface="Georgia"/>
+                <a:sym typeface="Georgia"/>
+              </a:rPr>
+              <a:t>Control de los efectos</a:t>
+            </a:r>
+          </a:p>
+        </p:txBody>
+      </p:sp>
+      <p:sp>
+        <p:nvSpPr>
+          <p:cNvPr id="171" name="Shape 171"/>
+          <p:cNvSpPr txBox="1"/>
+          <p:nvPr>
+            <p:ph idx="1" type="body"/>
+          </p:nvPr>
+        </p:nvSpPr>
+        <p:spPr>
+          <a:xfrm>
+            <a:off x="949325" y="1257300"/>
+            <a:ext cx="7157999" cy="3086099"/>
+          </a:xfrm>
+          <a:prstGeom prst="rect">
+            <a:avLst/>
+          </a:prstGeom>
+        </p:spPr>
+        <p:txBody>
+          <a:bodyPr anchorCtr="0" anchor="t" bIns="91425" lIns="91425" rIns="91425" tIns="91425">
+            <a:noAutofit/>
+          </a:bodyPr>
+          <a:lstStyle/>
+          <a:p>
+            <a:pPr indent="-342900" lvl="0" marL="457200" rtl="0">
+              <a:spcBef>
+                <a:spcPts val="0"/>
+              </a:spcBef>
+              <a:buClr>
+                <a:srgbClr val="313131"/>
+              </a:buClr>
+              <a:buSzPct val="100000"/>
+              <a:buFont typeface="Georgia"/>
+            </a:pPr>
+            <a:r>
+              <a:rPr lang="en" sz="1800">
+                <a:solidFill>
+                  <a:srgbClr val="313131"/>
+                </a:solidFill>
+                <a:highlight>
+                  <a:srgbClr val="FFFFFF"/>
+                </a:highlight>
+                <a:latin typeface="Georgia"/>
+                <a:ea typeface="Georgia"/>
+                <a:cs typeface="Georgia"/>
+                <a:sym typeface="Georgia"/>
+              </a:rPr>
+              <a:t>Las funciones de efectos, una detrás de otra, se invocan en un instante, pero se espera que acabe la anterior antes de comenzar la siguiente. Por suerte, jQuery hace todo por su cuenta para gestionar esta cola.</a:t>
+            </a:r>
+          </a:p>
+          <a:p>
+            <a:pPr indent="-342900" lvl="0" marL="457200" rtl="0">
+              <a:spcBef>
+                <a:spcPts val="0"/>
+              </a:spcBef>
+              <a:buClr>
+                <a:srgbClr val="313131"/>
+              </a:buClr>
+              <a:buSzPct val="100000"/>
+              <a:buFont typeface="Georgia"/>
+            </a:pPr>
+            <a:r>
+              <a:rPr lang="en" sz="1800">
+                <a:solidFill>
+                  <a:srgbClr val="313131"/>
+                </a:solidFill>
+                <a:highlight>
+                  <a:srgbClr val="FFFFFF"/>
+                </a:highlight>
+                <a:latin typeface="Georgia"/>
+                <a:ea typeface="Georgia"/>
+                <a:cs typeface="Georgia"/>
+                <a:sym typeface="Georgia"/>
+              </a:rPr>
+              <a:t>Cada elemento de la página tiene su propia cola de efectos y, aunque incluso podríamos crear otras colas de efectos para el mismo elemento, en la mayoría de los casos tendremos suficiente con la cola por defecto ya implementada.</a:t>
+            </a:r>
+          </a:p>
+        </p:txBody>
+      </p:sp>
+    </p:spTree>
+  </p:cSld>
+  <p:clrMapOvr>
+    <a:masterClrMapping/>
+  </p:clrMapOvr>
+  <p:transition spd="slow">
+    <p:cut/>
+  </p:transition>
+</p:sld>
+</file>
+
+<file path=ppt/slides/slide12.xml><?xml version="1.0" encoding="utf-8"?>
+<p:sld xmlns:a="http://schemas.openxmlformats.org/drawingml/2006/main" xmlns:r="http://schemas.openxmlformats.org/officeDocument/2006/relationships" xmlns:mc="http://schemas.openxmlformats.org/markup-compatibility/2006" xmlns:mv="urn:schemas-microsoft-com:mac:vml" xmlns:p="http://schemas.openxmlformats.org/presentationml/2006/main" xmlns:c="http://schemas.openxmlformats.org/drawingml/2006/chart" xmlns:dgm="http://schemas.openxmlformats.org/drawingml/2006/diagram" xmlns:o="urn:schemas-microsoft-com:office:office" xmlns:v="urn:schemas-microsoft-com:vml" xmlns:pvml="urn:schemas-microsoft-com:office:powerpoint" xmlns:com="http://schemas.openxmlformats.org/drawingml/2006/compatibility" xmlns:p14="http://schemas.microsoft.com/office/powerpoint/2010/main">
+  <p:cSld>
+    <p:spTree>
+      <p:nvGrpSpPr>
+        <p:cNvPr id="175" name="Shape 175"/>
+        <p:cNvGrpSpPr/>
+        <p:nvPr/>
+      </p:nvGrpSpPr>
+      <p:grpSpPr>
+        <a:xfrm>
+          <a:off x="0" y="0"/>
+          <a:ext cx="0" cy="0"/>
+          <a:chOff x="0" y="0"/>
+          <a:chExt cx="0" cy="0"/>
+        </a:xfrm>
+      </p:grpSpPr>
+      <p:sp>
+        <p:nvSpPr>
+          <p:cNvPr id="176" name="Shape 176"/>
+          <p:cNvSpPr txBox="1"/>
+          <p:nvPr>
+            <p:ph type="title"/>
+          </p:nvPr>
+        </p:nvSpPr>
+        <p:spPr>
+          <a:xfrm>
+            <a:off x="931862" y="72628"/>
+            <a:ext cx="7157999" cy="1059599"/>
+          </a:xfrm>
+          <a:prstGeom prst="rect">
+            <a:avLst/>
+          </a:prstGeom>
+        </p:spPr>
+        <p:txBody>
+          <a:bodyPr anchorCtr="0" anchor="b" bIns="91425" lIns="91425" rIns="91425" tIns="91425">
+            <a:noAutofit/>
+          </a:bodyPr>
+          <a:lstStyle/>
+          <a:p>
+            <a:pPr lvl="0" rtl="0">
+              <a:spcBef>
+                <a:spcPts val="1800"/>
+              </a:spcBef>
+              <a:spcAft>
+                <a:spcPts val="400"/>
+              </a:spcAft>
+              <a:buNone/>
+            </a:pPr>
+            <a:r>
+              <a:rPr lang="en" sz="3400">
+                <a:solidFill>
+                  <a:srgbClr val="111111"/>
+                </a:solidFill>
+                <a:highlight>
+                  <a:srgbClr val="FEFEFE"/>
+                </a:highlight>
+                <a:latin typeface="Georgia"/>
+                <a:ea typeface="Georgia"/>
+                <a:cs typeface="Georgia"/>
+                <a:sym typeface="Georgia"/>
+              </a:rPr>
+              <a:t>Control de los efectos (bucle)</a:t>
+            </a:r>
+          </a:p>
+        </p:txBody>
+      </p:sp>
+      <p:sp>
+        <p:nvSpPr>
+          <p:cNvPr id="177" name="Shape 177"/>
+          <p:cNvSpPr txBox="1"/>
+          <p:nvPr/>
+        </p:nvSpPr>
+        <p:spPr>
+          <a:xfrm>
+            <a:off x="702950" y="1425900"/>
+            <a:ext cx="3646499" cy="3000000"/>
+          </a:xfrm>
+          <a:prstGeom prst="rect">
+            <a:avLst/>
+          </a:prstGeom>
+          <a:noFill/>
+          <a:ln>
+            <a:noFill/>
+          </a:ln>
+        </p:spPr>
+        <p:txBody>
+          <a:bodyPr anchorCtr="0" anchor="ctr" bIns="91425" lIns="91425" rIns="91425" tIns="91425">
+            <a:noAutofit/>
+          </a:bodyPr>
+          <a:lstStyle/>
+          <a:p>
+            <a:pPr lvl="0" rtl="0">
+              <a:spcBef>
+                <a:spcPts val="0"/>
+              </a:spcBef>
+              <a:buNone/>
+            </a:pPr>
+            <a:r>
+              <a:rPr lang="en" sz="1200">
+                <a:solidFill>
+                  <a:srgbClr val="660000"/>
+                </a:solidFill>
+                <a:highlight>
+                  <a:srgbClr val="FFFFFF"/>
+                </a:highlight>
+                <a:latin typeface="Verdana"/>
+                <a:ea typeface="Verdana"/>
+                <a:cs typeface="Verdana"/>
+                <a:sym typeface="Verdana"/>
+              </a:rPr>
+              <a:t>function colaEfectos(){</a:t>
+            </a:r>
+          </a:p>
+          <a:p>
+            <a:pPr lvl="0" rtl="0">
+              <a:spcBef>
+                <a:spcPts val="0"/>
+              </a:spcBef>
+              <a:buNone/>
+            </a:pPr>
+            <a:r>
+              <a:rPr lang="en" sz="1200">
+                <a:solidFill>
+                  <a:srgbClr val="660000"/>
+                </a:solidFill>
+                <a:highlight>
+                  <a:srgbClr val="FFFFFF"/>
+                </a:highlight>
+                <a:latin typeface="Verdana"/>
+                <a:ea typeface="Verdana"/>
+                <a:cs typeface="Verdana"/>
+                <a:sym typeface="Verdana"/>
+              </a:rPr>
+              <a:t>   capa = $("#micapa");</a:t>
+            </a:r>
+          </a:p>
+          <a:p>
+            <a:pPr lvl="0" rtl="0">
+              <a:spcBef>
+                <a:spcPts val="0"/>
+              </a:spcBef>
+              <a:buNone/>
+            </a:pPr>
+            <a:r>
+              <a:rPr lang="en" sz="1200">
+                <a:solidFill>
+                  <a:srgbClr val="660000"/>
+                </a:solidFill>
+                <a:highlight>
+                  <a:srgbClr val="FFFFFF"/>
+                </a:highlight>
+                <a:latin typeface="Verdana"/>
+                <a:ea typeface="Verdana"/>
+                <a:cs typeface="Verdana"/>
+                <a:sym typeface="Verdana"/>
+              </a:rPr>
+              <a:t>   capa.animate({</a:t>
+            </a:r>
+          </a:p>
+          <a:p>
+            <a:pPr lvl="0" rtl="0">
+              <a:spcBef>
+                <a:spcPts val="0"/>
+              </a:spcBef>
+              <a:buNone/>
+            </a:pPr>
+            <a:r>
+              <a:rPr lang="en" sz="1200">
+                <a:solidFill>
+                  <a:srgbClr val="660000"/>
+                </a:solidFill>
+                <a:highlight>
+                  <a:srgbClr val="FFFFFF"/>
+                </a:highlight>
+                <a:latin typeface="Verdana"/>
+                <a:ea typeface="Verdana"/>
+                <a:cs typeface="Verdana"/>
+                <a:sym typeface="Verdana"/>
+              </a:rPr>
+              <a:t>      "font-size": "1.5em"</a:t>
+            </a:r>
+          </a:p>
+          <a:p>
+            <a:pPr lvl="0" rtl="0">
+              <a:spcBef>
+                <a:spcPts val="0"/>
+              </a:spcBef>
+              <a:buNone/>
+            </a:pPr>
+            <a:r>
+              <a:rPr lang="en" sz="1200">
+                <a:solidFill>
+                  <a:srgbClr val="660000"/>
+                </a:solidFill>
+                <a:highlight>
+                  <a:srgbClr val="FFFFFF"/>
+                </a:highlight>
+                <a:latin typeface="Verdana"/>
+                <a:ea typeface="Verdana"/>
+                <a:cs typeface="Verdana"/>
+                <a:sym typeface="Verdana"/>
+              </a:rPr>
+              <a:t>   }, 2000);</a:t>
+            </a:r>
+          </a:p>
+          <a:p>
+            <a:pPr lvl="0" rtl="0">
+              <a:spcBef>
+                <a:spcPts val="0"/>
+              </a:spcBef>
+              <a:buNone/>
+            </a:pPr>
+            <a:r>
+              <a:rPr lang="en" sz="1200">
+                <a:solidFill>
+                  <a:srgbClr val="660000"/>
+                </a:solidFill>
+                <a:highlight>
+                  <a:srgbClr val="FFFFFF"/>
+                </a:highlight>
+                <a:latin typeface="Verdana"/>
+                <a:ea typeface="Verdana"/>
+                <a:cs typeface="Verdana"/>
+                <a:sym typeface="Verdana"/>
+              </a:rPr>
+              <a:t>   capa.hide(1000);</a:t>
+            </a:r>
+          </a:p>
+          <a:p>
+            <a:pPr lvl="0" rtl="0">
+              <a:spcBef>
+                <a:spcPts val="0"/>
+              </a:spcBef>
+              <a:buNone/>
+            </a:pPr>
+            <a:r>
+              <a:rPr lang="en" sz="1200">
+                <a:solidFill>
+                  <a:srgbClr val="660000"/>
+                </a:solidFill>
+                <a:highlight>
+                  <a:srgbClr val="FFFFFF"/>
+                </a:highlight>
+                <a:latin typeface="Verdana"/>
+                <a:ea typeface="Verdana"/>
+                <a:cs typeface="Verdana"/>
+                <a:sym typeface="Verdana"/>
+              </a:rPr>
+              <a:t>   capa.show(1000);</a:t>
+            </a:r>
+          </a:p>
+          <a:p>
+            <a:pPr lvl="0" rtl="0">
+              <a:spcBef>
+                <a:spcPts val="0"/>
+              </a:spcBef>
+              <a:buNone/>
+            </a:pPr>
+            <a:r>
+              <a:rPr lang="en" sz="1200">
+                <a:solidFill>
+                  <a:srgbClr val="660000"/>
+                </a:solidFill>
+                <a:highlight>
+                  <a:srgbClr val="FFFFFF"/>
+                </a:highlight>
+                <a:latin typeface="Verdana"/>
+                <a:ea typeface="Verdana"/>
+                <a:cs typeface="Verdana"/>
+                <a:sym typeface="Verdana"/>
+              </a:rPr>
+              <a:t>   capa.animate({</a:t>
+            </a:r>
+          </a:p>
+          <a:p>
+            <a:pPr lvl="0" rtl="0">
+              <a:spcBef>
+                <a:spcPts val="0"/>
+              </a:spcBef>
+              <a:buNone/>
+            </a:pPr>
+            <a:r>
+              <a:rPr lang="en" sz="1200">
+                <a:solidFill>
+                  <a:srgbClr val="660000"/>
+                </a:solidFill>
+                <a:highlight>
+                  <a:srgbClr val="FFFFFF"/>
+                </a:highlight>
+                <a:latin typeface="Verdana"/>
+                <a:ea typeface="Verdana"/>
+                <a:cs typeface="Verdana"/>
+                <a:sym typeface="Verdana"/>
+              </a:rPr>
+              <a:t>      "left": "350px",</a:t>
+            </a:r>
+          </a:p>
+          <a:p>
+            <a:pPr lvl="0" rtl="0">
+              <a:spcBef>
+                <a:spcPts val="0"/>
+              </a:spcBef>
+              <a:buNone/>
+            </a:pPr>
+            <a:r>
+              <a:rPr lang="en" sz="1200">
+                <a:solidFill>
+                  <a:srgbClr val="660000"/>
+                </a:solidFill>
+                <a:highlight>
+                  <a:srgbClr val="FFFFFF"/>
+                </a:highlight>
+                <a:latin typeface="Verdana"/>
+                <a:ea typeface="Verdana"/>
+                <a:cs typeface="Verdana"/>
+                <a:sym typeface="Verdana"/>
+              </a:rPr>
+              <a:t>      "top": "50px"</a:t>
+            </a:r>
+          </a:p>
+          <a:p>
+            <a:pPr lvl="0" rtl="0">
+              <a:spcBef>
+                <a:spcPts val="0"/>
+              </a:spcBef>
+              <a:buNone/>
+            </a:pPr>
+            <a:r>
+              <a:rPr lang="en" sz="1200">
+                <a:solidFill>
+                  <a:srgbClr val="660000"/>
+                </a:solidFill>
+                <a:highlight>
+                  <a:srgbClr val="FFFFFF"/>
+                </a:highlight>
+                <a:latin typeface="Verdana"/>
+                <a:ea typeface="Verdana"/>
+                <a:cs typeface="Verdana"/>
+                <a:sym typeface="Verdana"/>
+              </a:rPr>
+              <a:t>   },1500);</a:t>
+            </a:r>
+          </a:p>
+          <a:p>
+            <a:pPr lvl="0" rtl="0">
+              <a:spcBef>
+                <a:spcPts val="0"/>
+              </a:spcBef>
+              <a:buNone/>
+            </a:pPr>
+            <a:r>
+              <a:rPr lang="en" sz="1200">
+                <a:solidFill>
+                  <a:srgbClr val="660000"/>
+                </a:solidFill>
+                <a:highlight>
+                  <a:srgbClr val="FFFFFF"/>
+                </a:highlight>
+                <a:latin typeface="Verdana"/>
+                <a:ea typeface="Verdana"/>
+                <a:cs typeface="Verdana"/>
+                <a:sym typeface="Verdana"/>
+              </a:rPr>
+              <a:t>   capa.animate({</a:t>
+            </a:r>
+          </a:p>
+          <a:p>
+            <a:pPr lvl="0" rtl="0">
+              <a:spcBef>
+                <a:spcPts val="0"/>
+              </a:spcBef>
+              <a:buNone/>
+            </a:pPr>
+            <a:r>
+              <a:rPr lang="en" sz="1200">
+                <a:solidFill>
+                  <a:srgbClr val="660000"/>
+                </a:solidFill>
+                <a:highlight>
+                  <a:srgbClr val="FFFFFF"/>
+                </a:highlight>
+                <a:latin typeface="Verdana"/>
+                <a:ea typeface="Verdana"/>
+                <a:cs typeface="Verdana"/>
+                <a:sym typeface="Verdana"/>
+              </a:rPr>
+              <a:t>      "left": "100px",</a:t>
+            </a:r>
+          </a:p>
+          <a:p>
+            <a:pPr lvl="0" rtl="0">
+              <a:spcBef>
+                <a:spcPts val="0"/>
+              </a:spcBef>
+              <a:buNone/>
+            </a:pPr>
+            <a:r>
+              <a:rPr lang="en" sz="1200">
+                <a:solidFill>
+                  <a:srgbClr val="660000"/>
+                </a:solidFill>
+                <a:highlight>
+                  <a:srgbClr val="FFFFFF"/>
+                </a:highlight>
+                <a:latin typeface="Verdana"/>
+                <a:ea typeface="Verdana"/>
+                <a:cs typeface="Verdana"/>
+                <a:sym typeface="Verdana"/>
+              </a:rPr>
+              <a:t>      "top": "20px"</a:t>
+            </a:r>
+          </a:p>
+          <a:p>
+            <a:pPr lvl="0" rtl="0">
+              <a:spcBef>
+                <a:spcPts val="0"/>
+              </a:spcBef>
+              <a:buNone/>
+            </a:pPr>
+            <a:r>
+              <a:rPr lang="en" sz="1200">
+                <a:solidFill>
+                  <a:srgbClr val="660000"/>
+                </a:solidFill>
+                <a:highlight>
+                  <a:srgbClr val="FFFFFF"/>
+                </a:highlight>
+                <a:latin typeface="Verdana"/>
+                <a:ea typeface="Verdana"/>
+                <a:cs typeface="Verdana"/>
+                <a:sym typeface="Verdana"/>
+              </a:rPr>
+              <a:t>   }, 1500, colaEfectos);</a:t>
+            </a:r>
+          </a:p>
+          <a:p>
+            <a:pPr lvl="0" rtl="0">
+              <a:spcBef>
+                <a:spcPts val="0"/>
+              </a:spcBef>
+              <a:buNone/>
+            </a:pPr>
+            <a:r>
+              <a:rPr lang="en" sz="1200">
+                <a:solidFill>
+                  <a:srgbClr val="660000"/>
+                </a:solidFill>
+                <a:highlight>
+                  <a:srgbClr val="FFFFFF"/>
+                </a:highlight>
+                <a:latin typeface="Verdana"/>
+                <a:ea typeface="Verdana"/>
+                <a:cs typeface="Verdana"/>
+                <a:sym typeface="Verdana"/>
+              </a:rPr>
+              <a:t>}</a:t>
+            </a:r>
+          </a:p>
+        </p:txBody>
+      </p:sp>
+      <p:sp>
+        <p:nvSpPr>
+          <p:cNvPr id="178" name="Shape 178"/>
+          <p:cNvSpPr txBox="1"/>
+          <p:nvPr/>
+        </p:nvSpPr>
+        <p:spPr>
+          <a:xfrm>
+            <a:off x="3176450" y="1053525"/>
+            <a:ext cx="4648199" cy="3000000"/>
+          </a:xfrm>
+          <a:prstGeom prst="rect">
+            <a:avLst/>
+          </a:prstGeom>
+          <a:noFill/>
+          <a:ln>
+            <a:noFill/>
+          </a:ln>
+        </p:spPr>
+        <p:txBody>
+          <a:bodyPr anchorCtr="0" anchor="ctr" bIns="91425" lIns="91425" rIns="91425" tIns="91425">
+            <a:noAutofit/>
+          </a:bodyPr>
+          <a:lstStyle/>
+          <a:p>
+            <a:pPr lvl="0" rtl="0">
+              <a:spcBef>
+                <a:spcPts val="0"/>
+              </a:spcBef>
+              <a:buNone/>
+            </a:pPr>
+            <a:r>
+              <a:rPr lang="en" sz="1800">
+                <a:solidFill>
+                  <a:srgbClr val="313131"/>
+                </a:solidFill>
+                <a:highlight>
+                  <a:srgbClr val="FFFFFF"/>
+                </a:highlight>
+                <a:latin typeface="Georgia"/>
+                <a:ea typeface="Georgia"/>
+                <a:cs typeface="Georgia"/>
+                <a:sym typeface="Georgia"/>
+              </a:rPr>
+              <a:t> La última de las funciones de efecto invocadas hace una llamada a esta misma función, por medio de un callback, por lo que, cuando terminen de realizarse todos los efectos, se volverá a invocar a la función y se producirá así un bucle infinito, donde se repetirá todo el tiempo la misma secuencia de efectos.</a:t>
+            </a:r>
+          </a:p>
+        </p:txBody>
+      </p:sp>
+      <p:cxnSp>
+        <p:nvCxnSpPr>
+          <p:cNvPr id="179" name="Shape 179"/>
+          <p:cNvCxnSpPr/>
+          <p:nvPr/>
+        </p:nvCxnSpPr>
+        <p:spPr>
+          <a:xfrm flipH="1">
+            <a:off x="2757424" y="3804175"/>
+            <a:ext cx="1958400" cy="314999"/>
+          </a:xfrm>
+          <a:prstGeom prst="straightConnector1">
+            <a:avLst/>
+          </a:prstGeom>
+          <a:noFill/>
+          <a:ln cap="flat" cmpd="sng" w="38100">
+            <a:solidFill>
+              <a:schemeClr val="dk2"/>
+            </a:solidFill>
+            <a:prstDash val="solid"/>
+            <a:round/>
+            <a:headEnd len="lg" w="lg" type="none"/>
+            <a:tailEnd len="lg" w="lg" type="triangle"/>
+          </a:ln>
+        </p:spPr>
+      </p:cxnSp>
+    </p:spTree>
+  </p:cSld>
+  <p:clrMapOvr>
+    <a:masterClrMapping/>
+  </p:clrMapOvr>
+  <p:transition spd="slow">
+    <p:cut/>
+  </p:transition>
+</p:sld>
+</file>
+
+<file path=ppt/slides/slide13.xml><?xml version="1.0" encoding="utf-8"?>
+<p:sld xmlns:a="http://schemas.openxmlformats.org/drawingml/2006/main" xmlns:r="http://schemas.openxmlformats.org/officeDocument/2006/relationships" xmlns:mc="http://schemas.openxmlformats.org/markup-compatibility/2006" xmlns:mv="urn:schemas-microsoft-com:mac:vml" xmlns:p="http://schemas.openxmlformats.org/presentationml/2006/main" xmlns:c="http://schemas.openxmlformats.org/drawingml/2006/chart" xmlns:dgm="http://schemas.openxmlformats.org/drawingml/2006/diagram" xmlns:o="urn:schemas-microsoft-com:office:office" xmlns:v="urn:schemas-microsoft-com:vml" xmlns:pvml="urn:schemas-microsoft-com:office:powerpoint" xmlns:com="http://schemas.openxmlformats.org/drawingml/2006/compatibility" xmlns:p14="http://schemas.microsoft.com/office/powerpoint/2010/main">
+  <p:cSld>
+    <p:spTree>
+      <p:nvGrpSpPr>
+        <p:cNvPr id="183" name="Shape 183"/>
+        <p:cNvGrpSpPr/>
+        <p:nvPr/>
+      </p:nvGrpSpPr>
+      <p:grpSpPr>
+        <a:xfrm>
+          <a:off x="0" y="0"/>
+          <a:ext cx="0" cy="0"/>
+          <a:chOff x="0" y="0"/>
+          <a:chExt cx="0" cy="0"/>
+        </a:xfrm>
+      </p:grpSpPr>
+      <p:sp>
+        <p:nvSpPr>
+          <p:cNvPr id="184" name="Shape 184"/>
+          <p:cNvSpPr txBox="1"/>
+          <p:nvPr>
+            <p:ph type="title"/>
+          </p:nvPr>
+        </p:nvSpPr>
+        <p:spPr>
+          <a:xfrm>
+            <a:off x="931862" y="72628"/>
+            <a:ext cx="7157999" cy="1059599"/>
+          </a:xfrm>
+          <a:prstGeom prst="rect">
+            <a:avLst/>
+          </a:prstGeom>
+        </p:spPr>
+        <p:txBody>
+          <a:bodyPr anchorCtr="0" anchor="b" bIns="91425" lIns="91425" rIns="91425" tIns="91425">
+            <a:noAutofit/>
+          </a:bodyPr>
+          <a:lstStyle/>
+          <a:p>
+            <a:pPr lvl="0" rtl="0">
+              <a:spcBef>
+                <a:spcPts val="1800"/>
+              </a:spcBef>
+              <a:spcAft>
+                <a:spcPts val="400"/>
+              </a:spcAft>
+              <a:buNone/>
+            </a:pPr>
+            <a:r>
+              <a:rPr lang="en" sz="3400">
+                <a:solidFill>
+                  <a:srgbClr val="111111"/>
+                </a:solidFill>
+                <a:highlight>
+                  <a:srgbClr val="FEFEFE"/>
+                </a:highlight>
+                <a:latin typeface="Georgia"/>
+                <a:ea typeface="Georgia"/>
+                <a:cs typeface="Georgia"/>
+                <a:sym typeface="Georgia"/>
+              </a:rPr>
+              <a:t>Control de los efectos (stop, delay)</a:t>
+            </a:r>
+          </a:p>
+        </p:txBody>
+      </p:sp>
+      <p:sp>
+        <p:nvSpPr>
+          <p:cNvPr id="185" name="Shape 185"/>
+          <p:cNvSpPr txBox="1"/>
+          <p:nvPr>
+            <p:ph idx="1" type="body"/>
+          </p:nvPr>
+        </p:nvSpPr>
+        <p:spPr>
+          <a:xfrm>
             <a:off x="949325" y="1485900"/>
             <a:ext cx="7157999" cy="3086099"/>
           </a:xfrm>
@@ -8851,7 +10218,7 @@
                 <a:cs typeface="Georgia"/>
                 <a:sym typeface="Georgia"/>
               </a:rPr>
-              <a:t>$.fn.stop</a:t>
+              <a:t>$.fn.stop (clearQueue, jumpToEnd)</a:t>
             </a:r>
           </a:p>
           <a:p>
@@ -9167,6 +10534,1130 @@
               <a:cs typeface="Georgia"/>
               <a:sym typeface="Georgia"/>
             </a:endParaRPr>
+          </a:p>
+        </p:txBody>
+      </p:sp>
+    </p:spTree>
+  </p:cSld>
+  <p:clrMapOvr>
+    <a:masterClrMapping/>
+  </p:clrMapOvr>
+  <p:transition spd="slow">
+    <p:cut/>
+  </p:transition>
+</p:sld>
+</file>
+
+<file path=ppt/slides/slide14.xml><?xml version="1.0" encoding="utf-8"?>
+<p:sld xmlns:a="http://schemas.openxmlformats.org/drawingml/2006/main" xmlns:r="http://schemas.openxmlformats.org/officeDocument/2006/relationships" xmlns:mc="http://schemas.openxmlformats.org/markup-compatibility/2006" xmlns:mv="urn:schemas-microsoft-com:mac:vml" xmlns:p="http://schemas.openxmlformats.org/presentationml/2006/main" xmlns:c="http://schemas.openxmlformats.org/drawingml/2006/chart" xmlns:dgm="http://schemas.openxmlformats.org/drawingml/2006/diagram" xmlns:o="urn:schemas-microsoft-com:office:office" xmlns:v="urn:schemas-microsoft-com:vml" xmlns:pvml="urn:schemas-microsoft-com:office:powerpoint" xmlns:com="http://schemas.openxmlformats.org/drawingml/2006/compatibility" xmlns:p14="http://schemas.microsoft.com/office/powerpoint/2010/main">
+  <p:cSld>
+    <p:spTree>
+      <p:nvGrpSpPr>
+        <p:cNvPr id="189" name="Shape 189"/>
+        <p:cNvGrpSpPr/>
+        <p:nvPr/>
+      </p:nvGrpSpPr>
+      <p:grpSpPr>
+        <a:xfrm>
+          <a:off x="0" y="0"/>
+          <a:ext cx="0" cy="0"/>
+          <a:chOff x="0" y="0"/>
+          <a:chExt cx="0" cy="0"/>
+        </a:xfrm>
+      </p:grpSpPr>
+      <p:sp>
+        <p:nvSpPr>
+          <p:cNvPr id="190" name="Shape 190"/>
+          <p:cNvSpPr txBox="1"/>
+          <p:nvPr>
+            <p:ph type="title"/>
+          </p:nvPr>
+        </p:nvSpPr>
+        <p:spPr>
+          <a:xfrm>
+            <a:off x="931862" y="72628"/>
+            <a:ext cx="7157999" cy="1059599"/>
+          </a:xfrm>
+          <a:prstGeom prst="rect">
+            <a:avLst/>
+          </a:prstGeom>
+        </p:spPr>
+        <p:txBody>
+          <a:bodyPr anchorCtr="0" anchor="b" bIns="91425" lIns="91425" rIns="91425" tIns="91425">
+            <a:noAutofit/>
+          </a:bodyPr>
+          <a:lstStyle/>
+          <a:p>
+            <a:pPr lvl="0" rtl="0">
+              <a:spcBef>
+                <a:spcPts val="1800"/>
+              </a:spcBef>
+              <a:spcAft>
+                <a:spcPts val="400"/>
+              </a:spcAft>
+              <a:buNone/>
+            </a:pPr>
+            <a:r>
+              <a:rPr lang="en" sz="3400">
+                <a:solidFill>
+                  <a:srgbClr val="111111"/>
+                </a:solidFill>
+                <a:highlight>
+                  <a:srgbClr val="FEFEFE"/>
+                </a:highlight>
+                <a:latin typeface="Georgia"/>
+                <a:ea typeface="Georgia"/>
+                <a:cs typeface="Georgia"/>
+                <a:sym typeface="Georgia"/>
+              </a:rPr>
+              <a:t>Control de los efectos (queue)</a:t>
+            </a:r>
+          </a:p>
+        </p:txBody>
+      </p:sp>
+      <p:sp>
+        <p:nvSpPr>
+          <p:cNvPr id="191" name="Shape 191"/>
+          <p:cNvSpPr txBox="1"/>
+          <p:nvPr>
+            <p:ph idx="1" type="body"/>
+          </p:nvPr>
+        </p:nvSpPr>
+        <p:spPr>
+          <a:xfrm>
+            <a:off x="949325" y="1485900"/>
+            <a:ext cx="7157999" cy="3086099"/>
+          </a:xfrm>
+          <a:prstGeom prst="rect">
+            <a:avLst/>
+          </a:prstGeom>
+        </p:spPr>
+        <p:txBody>
+          <a:bodyPr anchorCtr="0" anchor="t" bIns="91425" lIns="91425" rIns="91425" tIns="91425">
+            <a:noAutofit/>
+          </a:bodyPr>
+          <a:lstStyle/>
+          <a:p>
+            <a:pPr indent="-69850" lvl="0" marL="0" rtl="0">
+              <a:lnSpc>
+                <a:spcPct val="100000"/>
+              </a:lnSpc>
+              <a:spcBef>
+                <a:spcPts val="0"/>
+              </a:spcBef>
+              <a:buClr>
+                <a:schemeClr val="dk2"/>
+              </a:buClr>
+              <a:buSzPct val="61111"/>
+              <a:buFont typeface="Arial"/>
+              <a:buNone/>
+            </a:pPr>
+            <a:r>
+              <a:rPr lang="en" sz="1800">
+                <a:solidFill>
+                  <a:srgbClr val="444444"/>
+                </a:solidFill>
+                <a:highlight>
+                  <a:srgbClr val="FEFEFE"/>
+                </a:highlight>
+                <a:latin typeface="Georgia"/>
+                <a:ea typeface="Georgia"/>
+                <a:cs typeface="Georgia"/>
+                <a:sym typeface="Georgia"/>
+              </a:rPr>
+              <a:t>$.fn.queue</a:t>
+            </a:r>
+          </a:p>
+          <a:p>
+            <a:pPr indent="-69850" lvl="0" marL="0" rtl="0">
+              <a:lnSpc>
+                <a:spcPct val="100000"/>
+              </a:lnSpc>
+              <a:spcBef>
+                <a:spcPts val="0"/>
+              </a:spcBef>
+              <a:buClr>
+                <a:schemeClr val="dk2"/>
+              </a:buClr>
+              <a:buSzPct val="91666"/>
+              <a:buFont typeface="Arial"/>
+              <a:buNone/>
+            </a:pPr>
+            <a:r>
+              <a:t/>
+            </a:r>
+            <a:endParaRPr sz="1200">
+              <a:solidFill>
+                <a:srgbClr val="313131"/>
+              </a:solidFill>
+              <a:highlight>
+                <a:srgbClr val="FFFFFF"/>
+              </a:highlight>
+            </a:endParaRPr>
+          </a:p>
+          <a:p>
+            <a:pPr indent="-69850" lvl="0" marL="0" rtl="0">
+              <a:lnSpc>
+                <a:spcPct val="100000"/>
+              </a:lnSpc>
+              <a:spcBef>
+                <a:spcPts val="0"/>
+              </a:spcBef>
+              <a:buClr>
+                <a:schemeClr val="dk2"/>
+              </a:buClr>
+              <a:buSzPct val="61111"/>
+              <a:buFont typeface="Arial"/>
+              <a:buNone/>
+            </a:pPr>
+            <a:r>
+              <a:rPr lang="en" sz="1800">
+                <a:solidFill>
+                  <a:srgbClr val="313131"/>
+                </a:solidFill>
+                <a:highlight>
+                  <a:srgbClr val="FFFFFF"/>
+                </a:highlight>
+                <a:latin typeface="Georgia"/>
+                <a:ea typeface="Georgia"/>
+                <a:cs typeface="Georgia"/>
+                <a:sym typeface="Georgia"/>
+              </a:rPr>
+              <a:t>Si llamamos al método queue() sin parámetros o pasándole una cadena con el nombre de una cola, nos devolverá un array con cada una de las funciones que están encoladas en ese momento.</a:t>
+            </a:r>
+          </a:p>
+          <a:p>
+            <a:pPr indent="-69850" lvl="0" marL="0" rtl="0">
+              <a:lnSpc>
+                <a:spcPct val="100000"/>
+              </a:lnSpc>
+              <a:spcBef>
+                <a:spcPts val="0"/>
+              </a:spcBef>
+              <a:buClr>
+                <a:schemeClr val="dk2"/>
+              </a:buClr>
+              <a:buSzPct val="61111"/>
+              <a:buFont typeface="Arial"/>
+              <a:buNone/>
+            </a:pPr>
+            <a:r>
+              <a:t/>
+            </a:r>
+            <a:endParaRPr sz="1800">
+              <a:solidFill>
+                <a:srgbClr val="313131"/>
+              </a:solidFill>
+              <a:highlight>
+                <a:srgbClr val="FFFFFF"/>
+              </a:highlight>
+              <a:latin typeface="Georgia"/>
+              <a:ea typeface="Georgia"/>
+              <a:cs typeface="Georgia"/>
+              <a:sym typeface="Georgia"/>
+            </a:endParaRPr>
+          </a:p>
+          <a:p>
+            <a:pPr indent="-69850" lvl="0" marL="0" rtl="0">
+              <a:lnSpc>
+                <a:spcPct val="100000"/>
+              </a:lnSpc>
+              <a:spcBef>
+                <a:spcPts val="0"/>
+              </a:spcBef>
+              <a:buClr>
+                <a:schemeClr val="dk2"/>
+              </a:buClr>
+              <a:buSzPct val="61111"/>
+              <a:buFont typeface="Arial"/>
+              <a:buNone/>
+            </a:pPr>
+            <a:r>
+              <a:rPr lang="en" sz="1800">
+                <a:solidFill>
+                  <a:srgbClr val="313131"/>
+                </a:solidFill>
+                <a:highlight>
+                  <a:srgbClr val="FFFFFF"/>
+                </a:highlight>
+                <a:latin typeface="Georgia"/>
+                <a:ea typeface="Georgia"/>
+                <a:cs typeface="Georgia"/>
+                <a:sym typeface="Georgia"/>
+              </a:rPr>
+              <a:t>También podemos saber el número de efectos que hay en la cola mediante length:</a:t>
+            </a:r>
+          </a:p>
+          <a:p>
+            <a:pPr indent="-69850" lvl="0" marL="0" rtl="0">
+              <a:lnSpc>
+                <a:spcPct val="100000"/>
+              </a:lnSpc>
+              <a:spcBef>
+                <a:spcPts val="0"/>
+              </a:spcBef>
+              <a:buClr>
+                <a:schemeClr val="dk2"/>
+              </a:buClr>
+              <a:buSzPct val="61111"/>
+              <a:buFont typeface="Arial"/>
+              <a:buNone/>
+            </a:pPr>
+            <a:r>
+              <a:t/>
+            </a:r>
+            <a:endParaRPr sz="1800">
+              <a:solidFill>
+                <a:srgbClr val="313131"/>
+              </a:solidFill>
+              <a:highlight>
+                <a:srgbClr val="FFFFFF"/>
+              </a:highlight>
+              <a:latin typeface="Georgia"/>
+              <a:ea typeface="Georgia"/>
+              <a:cs typeface="Georgia"/>
+              <a:sym typeface="Georgia"/>
+            </a:endParaRPr>
+          </a:p>
+          <a:p>
+            <a:pPr indent="0" lvl="0" marL="304800" rtl="0">
+              <a:lnSpc>
+                <a:spcPct val="100000"/>
+              </a:lnSpc>
+              <a:spcBef>
+                <a:spcPts val="0"/>
+              </a:spcBef>
+              <a:buNone/>
+            </a:pPr>
+            <a:r>
+              <a:rPr lang="en" sz="1800">
+                <a:solidFill>
+                  <a:srgbClr val="660000"/>
+                </a:solidFill>
+                <a:highlight>
+                  <a:srgbClr val="FFFFFF"/>
+                </a:highlight>
+                <a:latin typeface="Georgia"/>
+                <a:ea typeface="Georgia"/>
+                <a:cs typeface="Georgia"/>
+                <a:sym typeface="Georgia"/>
+              </a:rPr>
+              <a:t>var numFuncionesEnCola = $("#micapa").queue().length;</a:t>
+            </a:r>
+          </a:p>
+          <a:p>
+            <a:pPr indent="-69850" lvl="0" marL="304800" rtl="0">
+              <a:lnSpc>
+                <a:spcPct val="100000"/>
+              </a:lnSpc>
+              <a:spcBef>
+                <a:spcPts val="0"/>
+              </a:spcBef>
+              <a:buClr>
+                <a:schemeClr val="dk2"/>
+              </a:buClr>
+              <a:buSzPct val="61111"/>
+              <a:buFont typeface="Arial"/>
+              <a:buNone/>
+            </a:pPr>
+            <a:r>
+              <a:t/>
+            </a:r>
+            <a:endParaRPr sz="1800">
+              <a:solidFill>
+                <a:srgbClr val="444444"/>
+              </a:solidFill>
+              <a:highlight>
+                <a:srgbClr val="FEFEFE"/>
+              </a:highlight>
+              <a:latin typeface="Georgia"/>
+              <a:ea typeface="Georgia"/>
+              <a:cs typeface="Georgia"/>
+              <a:sym typeface="Georgia"/>
+            </a:endParaRPr>
+          </a:p>
+          <a:p>
+            <a:pPr lvl="0" rtl="0">
+              <a:spcBef>
+                <a:spcPts val="0"/>
+              </a:spcBef>
+              <a:buNone/>
+            </a:pPr>
+            <a:r>
+              <a:t/>
+            </a:r>
+            <a:endParaRPr sz="1800">
+              <a:solidFill>
+                <a:srgbClr val="444444"/>
+              </a:solidFill>
+              <a:highlight>
+                <a:srgbClr val="FEFEFE"/>
+              </a:highlight>
+              <a:latin typeface="Georgia"/>
+              <a:ea typeface="Georgia"/>
+              <a:cs typeface="Georgia"/>
+              <a:sym typeface="Georgia"/>
+            </a:endParaRPr>
+          </a:p>
+        </p:txBody>
+      </p:sp>
+    </p:spTree>
+  </p:cSld>
+  <p:clrMapOvr>
+    <a:masterClrMapping/>
+  </p:clrMapOvr>
+  <p:transition spd="slow">
+    <p:cut/>
+  </p:transition>
+</p:sld>
+</file>
+
+<file path=ppt/slides/slide15.xml><?xml version="1.0" encoding="utf-8"?>
+<p:sld xmlns:a="http://schemas.openxmlformats.org/drawingml/2006/main" xmlns:r="http://schemas.openxmlformats.org/officeDocument/2006/relationships" xmlns:mc="http://schemas.openxmlformats.org/markup-compatibility/2006" xmlns:mv="urn:schemas-microsoft-com:mac:vml" xmlns:p="http://schemas.openxmlformats.org/presentationml/2006/main" xmlns:c="http://schemas.openxmlformats.org/drawingml/2006/chart" xmlns:dgm="http://schemas.openxmlformats.org/drawingml/2006/diagram" xmlns:o="urn:schemas-microsoft-com:office:office" xmlns:v="urn:schemas-microsoft-com:vml" xmlns:pvml="urn:schemas-microsoft-com:office:powerpoint" xmlns:com="http://schemas.openxmlformats.org/drawingml/2006/compatibility" xmlns:p14="http://schemas.microsoft.com/office/powerpoint/2010/main">
+  <p:cSld>
+    <p:spTree>
+      <p:nvGrpSpPr>
+        <p:cNvPr id="195" name="Shape 195"/>
+        <p:cNvGrpSpPr/>
+        <p:nvPr/>
+      </p:nvGrpSpPr>
+      <p:grpSpPr>
+        <a:xfrm>
+          <a:off x="0" y="0"/>
+          <a:ext cx="0" cy="0"/>
+          <a:chOff x="0" y="0"/>
+          <a:chExt cx="0" cy="0"/>
+        </a:xfrm>
+      </p:grpSpPr>
+      <p:sp>
+        <p:nvSpPr>
+          <p:cNvPr id="196" name="Shape 196"/>
+          <p:cNvSpPr txBox="1"/>
+          <p:nvPr>
+            <p:ph type="title"/>
+          </p:nvPr>
+        </p:nvSpPr>
+        <p:spPr>
+          <a:xfrm>
+            <a:off x="931862" y="72628"/>
+            <a:ext cx="7157999" cy="1059599"/>
+          </a:xfrm>
+          <a:prstGeom prst="rect">
+            <a:avLst/>
+          </a:prstGeom>
+        </p:spPr>
+        <p:txBody>
+          <a:bodyPr anchorCtr="0" anchor="b" bIns="91425" lIns="91425" rIns="91425" tIns="91425">
+            <a:noAutofit/>
+          </a:bodyPr>
+          <a:lstStyle/>
+          <a:p>
+            <a:pPr lvl="0" rtl="0">
+              <a:spcBef>
+                <a:spcPts val="1800"/>
+              </a:spcBef>
+              <a:spcAft>
+                <a:spcPts val="400"/>
+              </a:spcAft>
+              <a:buNone/>
+            </a:pPr>
+            <a:r>
+              <a:rPr lang="en" sz="3400">
+                <a:solidFill>
+                  <a:srgbClr val="111111"/>
+                </a:solidFill>
+                <a:highlight>
+                  <a:srgbClr val="FEFEFE"/>
+                </a:highlight>
+                <a:latin typeface="Georgia"/>
+                <a:ea typeface="Georgia"/>
+                <a:cs typeface="Georgia"/>
+                <a:sym typeface="Georgia"/>
+              </a:rPr>
+              <a:t>Control de los efectos (queue)</a:t>
+            </a:r>
+          </a:p>
+        </p:txBody>
+      </p:sp>
+      <p:sp>
+        <p:nvSpPr>
+          <p:cNvPr id="197" name="Shape 197"/>
+          <p:cNvSpPr txBox="1"/>
+          <p:nvPr>
+            <p:ph idx="1" type="body"/>
+          </p:nvPr>
+        </p:nvSpPr>
+        <p:spPr>
+          <a:xfrm>
+            <a:off x="949325" y="1257300"/>
+            <a:ext cx="7157999" cy="3086099"/>
+          </a:xfrm>
+          <a:prstGeom prst="rect">
+            <a:avLst/>
+          </a:prstGeom>
+        </p:spPr>
+        <p:txBody>
+          <a:bodyPr anchorCtr="0" anchor="t" bIns="91425" lIns="91425" rIns="91425" tIns="91425">
+            <a:noAutofit/>
+          </a:bodyPr>
+          <a:lstStyle/>
+          <a:p>
+            <a:pPr indent="-69850" lvl="0" marL="0" rtl="0">
+              <a:lnSpc>
+                <a:spcPct val="100000"/>
+              </a:lnSpc>
+              <a:spcBef>
+                <a:spcPts val="0"/>
+              </a:spcBef>
+              <a:buClr>
+                <a:schemeClr val="dk2"/>
+              </a:buClr>
+              <a:buSzPct val="61111"/>
+              <a:buFont typeface="Arial"/>
+              <a:buNone/>
+            </a:pPr>
+            <a:r>
+              <a:rPr lang="en" sz="1800">
+                <a:solidFill>
+                  <a:srgbClr val="444444"/>
+                </a:solidFill>
+                <a:highlight>
+                  <a:srgbClr val="FEFEFE"/>
+                </a:highlight>
+                <a:latin typeface="Georgia"/>
+                <a:ea typeface="Georgia"/>
+                <a:cs typeface="Georgia"/>
+                <a:sym typeface="Georgia"/>
+              </a:rPr>
+              <a:t>$.fn.queue</a:t>
+            </a:r>
+          </a:p>
+          <a:p>
+            <a:pPr indent="-69850" lvl="0" marL="0" rtl="0">
+              <a:lnSpc>
+                <a:spcPct val="100000"/>
+              </a:lnSpc>
+              <a:spcBef>
+                <a:spcPts val="0"/>
+              </a:spcBef>
+              <a:buClr>
+                <a:schemeClr val="dk2"/>
+              </a:buClr>
+              <a:buSzPct val="91666"/>
+              <a:buFont typeface="Arial"/>
+              <a:buNone/>
+            </a:pPr>
+            <a:r>
+              <a:t/>
+            </a:r>
+            <a:endParaRPr sz="1200">
+              <a:solidFill>
+                <a:srgbClr val="313131"/>
+              </a:solidFill>
+              <a:highlight>
+                <a:srgbClr val="FFFFFF"/>
+              </a:highlight>
+            </a:endParaRPr>
+          </a:p>
+          <a:p>
+            <a:pPr indent="-69850" lvl="0" marL="0" rtl="0">
+              <a:lnSpc>
+                <a:spcPct val="100000"/>
+              </a:lnSpc>
+              <a:spcBef>
+                <a:spcPts val="0"/>
+              </a:spcBef>
+              <a:buClr>
+                <a:schemeClr val="dk2"/>
+              </a:buClr>
+              <a:buSzPct val="61111"/>
+              <a:buFont typeface="Arial"/>
+              <a:buNone/>
+            </a:pPr>
+            <a:r>
+              <a:rPr lang="en" sz="1800">
+                <a:solidFill>
+                  <a:srgbClr val="313131"/>
+                </a:solidFill>
+                <a:highlight>
+                  <a:srgbClr val="FFFFFF"/>
+                </a:highlight>
+                <a:latin typeface="Georgia"/>
+                <a:ea typeface="Georgia"/>
+                <a:cs typeface="Georgia"/>
+                <a:sym typeface="Georgia"/>
+              </a:rPr>
+              <a:t>Ejemplo en el que encolamos una función, que no es de efectos, en la cola de efectos predeterminada.</a:t>
+            </a:r>
+          </a:p>
+          <a:p>
+            <a:pPr indent="-69850" lvl="0" marL="0" rtl="0">
+              <a:lnSpc>
+                <a:spcPct val="100000"/>
+              </a:lnSpc>
+              <a:spcBef>
+                <a:spcPts val="0"/>
+              </a:spcBef>
+              <a:buClr>
+                <a:schemeClr val="dk2"/>
+              </a:buClr>
+              <a:buSzPct val="61111"/>
+              <a:buFont typeface="Arial"/>
+              <a:buNone/>
+            </a:pPr>
+            <a:r>
+              <a:t/>
+            </a:r>
+            <a:endParaRPr sz="1800">
+              <a:solidFill>
+                <a:srgbClr val="313131"/>
+              </a:solidFill>
+              <a:highlight>
+                <a:srgbClr val="FFFFFF"/>
+              </a:highlight>
+              <a:latin typeface="Georgia"/>
+              <a:ea typeface="Georgia"/>
+              <a:cs typeface="Georgia"/>
+              <a:sym typeface="Georgia"/>
+            </a:endParaRPr>
+          </a:p>
+          <a:p>
+            <a:pPr indent="-69850" lvl="0" marL="304800" rtl="0">
+              <a:lnSpc>
+                <a:spcPct val="100000"/>
+              </a:lnSpc>
+              <a:spcBef>
+                <a:spcPts val="0"/>
+              </a:spcBef>
+              <a:buClr>
+                <a:schemeClr val="dk2"/>
+              </a:buClr>
+              <a:buSzPct val="91666"/>
+              <a:buFont typeface="Arial"/>
+              <a:buNone/>
+            </a:pPr>
+            <a:r>
+              <a:rPr lang="en" sz="1200">
+                <a:solidFill>
+                  <a:srgbClr val="660000"/>
+                </a:solidFill>
+                <a:highlight>
+                  <a:srgbClr val="FFFFFF"/>
+                </a:highlight>
+                <a:latin typeface="Verdana"/>
+                <a:ea typeface="Verdana"/>
+                <a:cs typeface="Verdana"/>
+                <a:sym typeface="Verdana"/>
+              </a:rPr>
+              <a:t>$("#micapa").queue(function(){</a:t>
+            </a:r>
+          </a:p>
+          <a:p>
+            <a:pPr indent="-69850" lvl="0" marL="304800" rtl="0">
+              <a:lnSpc>
+                <a:spcPct val="100000"/>
+              </a:lnSpc>
+              <a:spcBef>
+                <a:spcPts val="0"/>
+              </a:spcBef>
+              <a:buClr>
+                <a:schemeClr val="dk2"/>
+              </a:buClr>
+              <a:buSzPct val="91666"/>
+              <a:buFont typeface="Arial"/>
+              <a:buNone/>
+            </a:pPr>
+            <a:r>
+              <a:rPr lang="en" sz="1200">
+                <a:solidFill>
+                  <a:srgbClr val="660000"/>
+                </a:solidFill>
+                <a:highlight>
+                  <a:srgbClr val="FFFFFF"/>
+                </a:highlight>
+                <a:latin typeface="Verdana"/>
+                <a:ea typeface="Verdana"/>
+                <a:cs typeface="Verdana"/>
+                <a:sym typeface="Verdana"/>
+              </a:rPr>
+              <a:t>   $(this).css({</a:t>
+            </a:r>
+          </a:p>
+          <a:p>
+            <a:pPr indent="-69850" lvl="0" marL="304800" rtl="0">
+              <a:lnSpc>
+                <a:spcPct val="100000"/>
+              </a:lnSpc>
+              <a:spcBef>
+                <a:spcPts val="0"/>
+              </a:spcBef>
+              <a:buClr>
+                <a:schemeClr val="dk2"/>
+              </a:buClr>
+              <a:buSzPct val="91666"/>
+              <a:buFont typeface="Arial"/>
+              <a:buNone/>
+            </a:pPr>
+            <a:r>
+              <a:rPr lang="en" sz="1200">
+                <a:solidFill>
+                  <a:srgbClr val="660000"/>
+                </a:solidFill>
+                <a:highlight>
+                  <a:srgbClr val="FFFFFF"/>
+                </a:highlight>
+                <a:latin typeface="Verdana"/>
+                <a:ea typeface="Verdana"/>
+                <a:cs typeface="Verdana"/>
+                <a:sym typeface="Verdana"/>
+              </a:rPr>
+              <a:t>      "border": "3px solid #339",</a:t>
+            </a:r>
+          </a:p>
+          <a:p>
+            <a:pPr indent="-69850" lvl="0" marL="304800" rtl="0">
+              <a:lnSpc>
+                <a:spcPct val="100000"/>
+              </a:lnSpc>
+              <a:spcBef>
+                <a:spcPts val="0"/>
+              </a:spcBef>
+              <a:buClr>
+                <a:schemeClr val="dk2"/>
+              </a:buClr>
+              <a:buSzPct val="91666"/>
+              <a:buFont typeface="Arial"/>
+              <a:buNone/>
+            </a:pPr>
+            <a:r>
+              <a:rPr lang="en" sz="1200">
+                <a:solidFill>
+                  <a:srgbClr val="660000"/>
+                </a:solidFill>
+                <a:highlight>
+                  <a:srgbClr val="FFFFFF"/>
+                </a:highlight>
+                <a:latin typeface="Verdana"/>
+                <a:ea typeface="Verdana"/>
+                <a:cs typeface="Verdana"/>
+                <a:sym typeface="Verdana"/>
+              </a:rPr>
+              <a:t>   });</a:t>
+            </a:r>
+          </a:p>
+          <a:p>
+            <a:pPr indent="-69850" lvl="0" marL="304800" rtl="0">
+              <a:lnSpc>
+                <a:spcPct val="100000"/>
+              </a:lnSpc>
+              <a:spcBef>
+                <a:spcPts val="0"/>
+              </a:spcBef>
+              <a:buClr>
+                <a:schemeClr val="dk2"/>
+              </a:buClr>
+              <a:buSzPct val="91666"/>
+              <a:buFont typeface="Arial"/>
+              <a:buNone/>
+            </a:pPr>
+            <a:r>
+              <a:rPr lang="en" sz="1200">
+                <a:solidFill>
+                  <a:srgbClr val="660000"/>
+                </a:solidFill>
+                <a:highlight>
+                  <a:srgbClr val="FFFFFF"/>
+                </a:highlight>
+                <a:latin typeface="Verdana"/>
+                <a:ea typeface="Verdana"/>
+                <a:cs typeface="Verdana"/>
+                <a:sym typeface="Verdana"/>
+              </a:rPr>
+              <a:t>   //cualquier otro código jQuery....</a:t>
+            </a:r>
+          </a:p>
+          <a:p>
+            <a:pPr indent="-69850" lvl="0" marL="304800" rtl="0">
+              <a:lnSpc>
+                <a:spcPct val="100000"/>
+              </a:lnSpc>
+              <a:spcBef>
+                <a:spcPts val="0"/>
+              </a:spcBef>
+              <a:buClr>
+                <a:schemeClr val="dk2"/>
+              </a:buClr>
+              <a:buSzPct val="91666"/>
+              <a:buFont typeface="Arial"/>
+              <a:buNone/>
+            </a:pPr>
+            <a:r>
+              <a:rPr lang="en" sz="1200">
+                <a:solidFill>
+                  <a:srgbClr val="660000"/>
+                </a:solidFill>
+                <a:highlight>
+                  <a:srgbClr val="FFFFFF"/>
+                </a:highlight>
+                <a:latin typeface="Verdana"/>
+                <a:ea typeface="Verdana"/>
+                <a:cs typeface="Verdana"/>
+                <a:sym typeface="Verdana"/>
+              </a:rPr>
+              <a:t>   //llamamos al siguiente paso de la cola</a:t>
+            </a:r>
+          </a:p>
+          <a:p>
+            <a:pPr indent="-69850" lvl="0" marL="304800" rtl="0">
+              <a:lnSpc>
+                <a:spcPct val="100000"/>
+              </a:lnSpc>
+              <a:spcBef>
+                <a:spcPts val="0"/>
+              </a:spcBef>
+              <a:buClr>
+                <a:schemeClr val="dk2"/>
+              </a:buClr>
+              <a:buSzPct val="91666"/>
+              <a:buFont typeface="Arial"/>
+              <a:buNone/>
+            </a:pPr>
+            <a:r>
+              <a:rPr lang="en" sz="1200">
+                <a:solidFill>
+                  <a:srgbClr val="660000"/>
+                </a:solidFill>
+                <a:highlight>
+                  <a:srgbClr val="FFFFFF"/>
+                </a:highlight>
+                <a:latin typeface="Verdana"/>
+                <a:ea typeface="Verdana"/>
+                <a:cs typeface="Verdana"/>
+                <a:sym typeface="Verdana"/>
+              </a:rPr>
+              <a:t>   $(this).dequeue();</a:t>
+            </a:r>
+          </a:p>
+          <a:p>
+            <a:pPr indent="0" lvl="0" marL="304800" rtl="0">
+              <a:lnSpc>
+                <a:spcPct val="100000"/>
+              </a:lnSpc>
+              <a:spcBef>
+                <a:spcPts val="0"/>
+              </a:spcBef>
+              <a:buNone/>
+            </a:pPr>
+            <a:r>
+              <a:rPr lang="en" sz="1200">
+                <a:solidFill>
+                  <a:srgbClr val="660000"/>
+                </a:solidFill>
+                <a:highlight>
+                  <a:srgbClr val="FFFFFF"/>
+                </a:highlight>
+                <a:latin typeface="Verdana"/>
+                <a:ea typeface="Verdana"/>
+                <a:cs typeface="Verdana"/>
+                <a:sym typeface="Verdana"/>
+              </a:rPr>
+              <a:t>});</a:t>
+            </a:r>
+          </a:p>
+          <a:p>
+            <a:pPr indent="-69850" lvl="0" marL="304800" rtl="0">
+              <a:lnSpc>
+                <a:spcPct val="100000"/>
+              </a:lnSpc>
+              <a:spcBef>
+                <a:spcPts val="0"/>
+              </a:spcBef>
+              <a:buClr>
+                <a:schemeClr val="dk2"/>
+              </a:buClr>
+              <a:buSzPct val="61111"/>
+              <a:buFont typeface="Arial"/>
+              <a:buNone/>
+            </a:pPr>
+            <a:r>
+              <a:t/>
+            </a:r>
+            <a:endParaRPr sz="1800">
+              <a:solidFill>
+                <a:srgbClr val="444444"/>
+              </a:solidFill>
+              <a:highlight>
+                <a:srgbClr val="FEFEFE"/>
+              </a:highlight>
+              <a:latin typeface="Georgia"/>
+              <a:ea typeface="Georgia"/>
+              <a:cs typeface="Georgia"/>
+              <a:sym typeface="Georgia"/>
+            </a:endParaRPr>
+          </a:p>
+          <a:p>
+            <a:pPr indent="-69850" lvl="0" marL="304800" rtl="0">
+              <a:lnSpc>
+                <a:spcPct val="100000"/>
+              </a:lnSpc>
+              <a:spcBef>
+                <a:spcPts val="0"/>
+              </a:spcBef>
+              <a:buClr>
+                <a:schemeClr val="dk2"/>
+              </a:buClr>
+              <a:buSzPct val="61111"/>
+              <a:buFont typeface="Arial"/>
+              <a:buNone/>
+            </a:pPr>
+            <a:r>
+              <a:rPr lang="en" sz="1800">
+                <a:solidFill>
+                  <a:srgbClr val="444444"/>
+                </a:solidFill>
+                <a:highlight>
+                  <a:srgbClr val="FEFEFE"/>
+                </a:highlight>
+                <a:latin typeface="Georgia"/>
+                <a:ea typeface="Georgia"/>
+                <a:cs typeface="Georgia"/>
+                <a:sym typeface="Georgia"/>
+              </a:rPr>
+              <a:t>Los dos ejemplos son equivalentes.</a:t>
+            </a:r>
+          </a:p>
+          <a:p>
+            <a:pPr lvl="0" rtl="0">
+              <a:spcBef>
+                <a:spcPts val="0"/>
+              </a:spcBef>
+              <a:buNone/>
+            </a:pPr>
+            <a:r>
+              <a:t/>
+            </a:r>
+            <a:endParaRPr sz="1800">
+              <a:solidFill>
+                <a:srgbClr val="444444"/>
+              </a:solidFill>
+              <a:highlight>
+                <a:srgbClr val="FEFEFE"/>
+              </a:highlight>
+              <a:latin typeface="Georgia"/>
+              <a:ea typeface="Georgia"/>
+              <a:cs typeface="Georgia"/>
+              <a:sym typeface="Georgia"/>
+            </a:endParaRPr>
+          </a:p>
+        </p:txBody>
+      </p:sp>
+      <p:sp>
+        <p:nvSpPr>
+          <p:cNvPr id="198" name="Shape 198"/>
+          <p:cNvSpPr txBox="1"/>
+          <p:nvPr/>
+        </p:nvSpPr>
+        <p:spPr>
+          <a:xfrm>
+            <a:off x="4411025" y="1791200"/>
+            <a:ext cx="3882899" cy="3000000"/>
+          </a:xfrm>
+          <a:prstGeom prst="rect">
+            <a:avLst/>
+          </a:prstGeom>
+          <a:noFill/>
+          <a:ln>
+            <a:noFill/>
+          </a:ln>
+        </p:spPr>
+        <p:txBody>
+          <a:bodyPr anchorCtr="0" anchor="ctr" bIns="91425" lIns="91425" rIns="91425" tIns="91425">
+            <a:noAutofit/>
+          </a:bodyPr>
+          <a:lstStyle/>
+          <a:p>
+            <a:pPr indent="0" lvl="0" marL="304800" rtl="0">
+              <a:spcBef>
+                <a:spcPts val="0"/>
+              </a:spcBef>
+              <a:buNone/>
+            </a:pPr>
+            <a:r>
+              <a:rPr lang="en" sz="1200">
+                <a:solidFill>
+                  <a:srgbClr val="660000"/>
+                </a:solidFill>
+                <a:highlight>
+                  <a:srgbClr val="FFFFFF"/>
+                </a:highlight>
+                <a:latin typeface="Verdana"/>
+                <a:ea typeface="Verdana"/>
+                <a:cs typeface="Verdana"/>
+                <a:sym typeface="Verdana"/>
+              </a:rPr>
+              <a:t>$("#micapa").queue(function(continua){</a:t>
+            </a:r>
+          </a:p>
+          <a:p>
+            <a:pPr indent="0" lvl="0" marL="304800" rtl="0">
+              <a:spcBef>
+                <a:spcPts val="0"/>
+              </a:spcBef>
+              <a:buNone/>
+            </a:pPr>
+            <a:r>
+              <a:rPr lang="en" sz="1200">
+                <a:solidFill>
+                  <a:srgbClr val="660000"/>
+                </a:solidFill>
+                <a:highlight>
+                  <a:srgbClr val="FFFFFF"/>
+                </a:highlight>
+                <a:latin typeface="Verdana"/>
+                <a:ea typeface="Verdana"/>
+                <a:cs typeface="Verdana"/>
+                <a:sym typeface="Verdana"/>
+              </a:rPr>
+              <a:t>   $(this).css({</a:t>
+            </a:r>
+          </a:p>
+          <a:p>
+            <a:pPr indent="0" lvl="0" marL="304800" rtl="0">
+              <a:spcBef>
+                <a:spcPts val="0"/>
+              </a:spcBef>
+              <a:buNone/>
+            </a:pPr>
+            <a:r>
+              <a:rPr lang="en" sz="1200">
+                <a:solidFill>
+                  <a:srgbClr val="660000"/>
+                </a:solidFill>
+                <a:highlight>
+                  <a:srgbClr val="FFFFFF"/>
+                </a:highlight>
+                <a:latin typeface="Verdana"/>
+                <a:ea typeface="Verdana"/>
+                <a:cs typeface="Verdana"/>
+                <a:sym typeface="Verdana"/>
+              </a:rPr>
+              <a:t>      "border": "3px solid #339",</a:t>
+            </a:r>
+          </a:p>
+          <a:p>
+            <a:pPr indent="0" lvl="0" marL="304800" rtl="0">
+              <a:spcBef>
+                <a:spcPts val="0"/>
+              </a:spcBef>
+              <a:buNone/>
+            </a:pPr>
+            <a:r>
+              <a:rPr lang="en" sz="1200">
+                <a:solidFill>
+                  <a:srgbClr val="660000"/>
+                </a:solidFill>
+                <a:highlight>
+                  <a:srgbClr val="FFFFFF"/>
+                </a:highlight>
+                <a:latin typeface="Verdana"/>
+                <a:ea typeface="Verdana"/>
+                <a:cs typeface="Verdana"/>
+                <a:sym typeface="Verdana"/>
+              </a:rPr>
+              <a:t>   });</a:t>
+            </a:r>
+          </a:p>
+          <a:p>
+            <a:pPr indent="0" lvl="0" marL="304800" rtl="0">
+              <a:spcBef>
+                <a:spcPts val="0"/>
+              </a:spcBef>
+              <a:buNone/>
+            </a:pPr>
+            <a:r>
+              <a:rPr lang="en" sz="1200">
+                <a:solidFill>
+                  <a:srgbClr val="660000"/>
+                </a:solidFill>
+                <a:highlight>
+                  <a:srgbClr val="FFFFFF"/>
+                </a:highlight>
+                <a:latin typeface="Verdana"/>
+                <a:ea typeface="Verdana"/>
+                <a:cs typeface="Verdana"/>
+                <a:sym typeface="Verdana"/>
+              </a:rPr>
+              <a:t>   //cualquier otro código jQuery....</a:t>
+            </a:r>
+          </a:p>
+          <a:p>
+            <a:pPr indent="0" lvl="0" marL="304800" rtl="0">
+              <a:spcBef>
+                <a:spcPts val="0"/>
+              </a:spcBef>
+              <a:buNone/>
+            </a:pPr>
+            <a:r>
+              <a:rPr lang="en" sz="1200">
+                <a:solidFill>
+                  <a:srgbClr val="660000"/>
+                </a:solidFill>
+                <a:highlight>
+                  <a:srgbClr val="FFFFFF"/>
+                </a:highlight>
+                <a:latin typeface="Verdana"/>
+                <a:ea typeface="Verdana"/>
+                <a:cs typeface="Verdana"/>
+                <a:sym typeface="Verdana"/>
+              </a:rPr>
+              <a:t>   //llamamos al siguiente paso de la cola</a:t>
+            </a:r>
+          </a:p>
+          <a:p>
+            <a:pPr indent="0" lvl="0" marL="304800" rtl="0">
+              <a:spcBef>
+                <a:spcPts val="0"/>
+              </a:spcBef>
+              <a:buNone/>
+            </a:pPr>
+            <a:r>
+              <a:rPr lang="en" sz="1200">
+                <a:solidFill>
+                  <a:srgbClr val="660000"/>
+                </a:solidFill>
+                <a:highlight>
+                  <a:srgbClr val="FFFFFF"/>
+                </a:highlight>
+                <a:latin typeface="Verdana"/>
+                <a:ea typeface="Verdana"/>
+                <a:cs typeface="Verdana"/>
+                <a:sym typeface="Verdana"/>
+              </a:rPr>
+              <a:t>   continua()</a:t>
+            </a:r>
+          </a:p>
+          <a:p>
+            <a:pPr indent="0" lvl="0" marL="304800" rtl="0">
+              <a:spcBef>
+                <a:spcPts val="0"/>
+              </a:spcBef>
+              <a:buNone/>
+            </a:pPr>
+            <a:r>
+              <a:rPr lang="en" sz="1200">
+                <a:solidFill>
+                  <a:srgbClr val="660000"/>
+                </a:solidFill>
+                <a:highlight>
+                  <a:srgbClr val="FFFFFF"/>
+                </a:highlight>
+                <a:latin typeface="Verdana"/>
+                <a:ea typeface="Verdana"/>
+                <a:cs typeface="Verdana"/>
+                <a:sym typeface="Verdana"/>
+              </a:rPr>
+              <a:t>});</a:t>
+            </a:r>
           </a:p>
         </p:txBody>
       </p:sp>
